--- a/Document/GIANTS_FifthPresentation.pptx
+++ b/Document/GIANTS_FifthPresentation.pptx
@@ -259,7 +259,7 @@
           <a:p>
             <a:fld id="{48A87A34-81AB-432B-8DAE-1953F412C126}" type="datetimeFigureOut">
               <a:rPr lang="en-US" dirty="0"/>
-              <a:t>4/10/2017</a:t>
+              <a:t>4/11/2017</a:t>
             </a:fld>
             <a:endParaRPr lang="en-US" dirty="0"/>
           </a:p>
@@ -465,7 +465,7 @@
           <a:p>
             <a:fld id="{48A87A34-81AB-432B-8DAE-1953F412C126}" type="datetimeFigureOut">
               <a:rPr lang="en-US" dirty="0"/>
-              <a:t>4/10/2017</a:t>
+              <a:t>4/11/2017</a:t>
             </a:fld>
             <a:endParaRPr lang="en-US" dirty="0"/>
           </a:p>
@@ -675,7 +675,7 @@
           <a:p>
             <a:fld id="{48A87A34-81AB-432B-8DAE-1953F412C126}" type="datetimeFigureOut">
               <a:rPr lang="en-US" dirty="0"/>
-              <a:t>4/10/2017</a:t>
+              <a:t>4/11/2017</a:t>
             </a:fld>
             <a:endParaRPr lang="en-US" dirty="0"/>
           </a:p>
@@ -871,7 +871,7 @@
           <a:p>
             <a:fld id="{48A87A34-81AB-432B-8DAE-1953F412C126}" type="datetimeFigureOut">
               <a:rPr lang="en-US" dirty="0"/>
-              <a:t>4/10/2017</a:t>
+              <a:t>4/11/2017</a:t>
             </a:fld>
             <a:endParaRPr lang="en-US" dirty="0"/>
           </a:p>
@@ -1145,7 +1145,7 @@
           <a:p>
             <a:fld id="{48A87A34-81AB-432B-8DAE-1953F412C126}" type="datetimeFigureOut">
               <a:rPr lang="en-US" dirty="0"/>
-              <a:t>4/10/2017</a:t>
+              <a:t>4/11/2017</a:t>
             </a:fld>
             <a:endParaRPr lang="en-US" dirty="0"/>
           </a:p>
@@ -1408,7 +1408,7 @@
           <a:p>
             <a:fld id="{48A87A34-81AB-432B-8DAE-1953F412C126}" type="datetimeFigureOut">
               <a:rPr lang="en-US" dirty="0"/>
-              <a:t>4/10/2017</a:t>
+              <a:t>4/11/2017</a:t>
             </a:fld>
             <a:endParaRPr lang="en-US" dirty="0"/>
           </a:p>
@@ -1819,7 +1819,7 @@
           <a:p>
             <a:fld id="{48A87A34-81AB-432B-8DAE-1953F412C126}" type="datetimeFigureOut">
               <a:rPr lang="en-US" dirty="0"/>
-              <a:t>4/10/2017</a:t>
+              <a:t>4/11/2017</a:t>
             </a:fld>
             <a:endParaRPr lang="en-US" dirty="0"/>
           </a:p>
@@ -1963,7 +1963,7 @@
           <a:p>
             <a:fld id="{48A87A34-81AB-432B-8DAE-1953F412C126}" type="datetimeFigureOut">
               <a:rPr lang="en-US" dirty="0"/>
-              <a:t>4/10/2017</a:t>
+              <a:t>4/11/2017</a:t>
             </a:fld>
             <a:endParaRPr lang="en-US" dirty="0"/>
           </a:p>
@@ -2084,7 +2084,7 @@
           <a:p>
             <a:fld id="{48A87A34-81AB-432B-8DAE-1953F412C126}" type="datetimeFigureOut">
               <a:rPr lang="en-US" dirty="0"/>
-              <a:t>4/10/2017</a:t>
+              <a:t>4/11/2017</a:t>
             </a:fld>
             <a:endParaRPr lang="en-US" dirty="0"/>
           </a:p>
@@ -2330,7 +2330,7 @@
           <a:p>
             <a:fld id="{48A87A34-81AB-432B-8DAE-1953F412C126}" type="datetimeFigureOut">
               <a:rPr lang="en-US" dirty="0"/>
-              <a:t>4/10/2017</a:t>
+              <a:t>4/11/2017</a:t>
             </a:fld>
             <a:endParaRPr lang="en-US" dirty="0"/>
           </a:p>
@@ -2771,7 +2771,7 @@
             <a:fld id="{48A87A34-81AB-432B-8DAE-1953F412C126}" type="datetimeFigureOut">
               <a:rPr lang="en-US" dirty="0"/>
               <a:pPr/>
-              <a:t>4/10/2017</a:t>
+              <a:t>4/11/2017</a:t>
             </a:fld>
             <a:endParaRPr lang="en-US" dirty="0"/>
           </a:p>
@@ -3093,7 +3093,7 @@
             <a:fld id="{48A87A34-81AB-432B-8DAE-1953F412C126}" type="datetimeFigureOut">
               <a:rPr lang="en-US" dirty="0"/>
               <a:pPr/>
-              <a:t>4/10/2017</a:t>
+              <a:t>4/11/2017</a:t>
             </a:fld>
             <a:endParaRPr lang="en-US" dirty="0"/>
           </a:p>
@@ -4129,14 +4129,14 @@
           <p:nvPr>
             <p:extLst>
               <p:ext uri="{D42A27DB-BD31-4B8C-83A1-F6EECF244321}">
-                <p14:modId xmlns:p14="http://schemas.microsoft.com/office/powerpoint/2010/main" val="950803831"/>
+                <p14:modId xmlns:p14="http://schemas.microsoft.com/office/powerpoint/2010/main" val="3821254138"/>
               </p:ext>
             </p:extLst>
           </p:nvPr>
         </p:nvGraphicFramePr>
         <p:xfrm>
-          <a:off x="1451580" y="1906508"/>
-          <a:ext cx="9881706" cy="4195354"/>
+          <a:off x="465993" y="1493520"/>
+          <a:ext cx="11289323" cy="5294142"/>
         </p:xfrm>
         <a:graphic>
           <a:graphicData uri="http://schemas.openxmlformats.org/drawingml/2006/table">
@@ -4145,56 +4145,56 @@
                 <a:tableStyleId>{5C22544A-7EE6-4342-B048-85BDC9FD1C3A}</a:tableStyleId>
               </a:tblPr>
               <a:tblGrid>
-                <a:gridCol w="707076">
+                <a:gridCol w="807798">
                   <a:extLst>
                     <a:ext uri="{9D8B030D-6E8A-4147-A177-3AD203B41FA5}">
                       <a16:colId xmlns:a16="http://schemas.microsoft.com/office/drawing/2014/main" val="2893422234"/>
                     </a:ext>
                   </a:extLst>
                 </a:gridCol>
-                <a:gridCol w="877047">
+                <a:gridCol w="1001980">
                   <a:extLst>
                     <a:ext uri="{9D8B030D-6E8A-4147-A177-3AD203B41FA5}">
                       <a16:colId xmlns:a16="http://schemas.microsoft.com/office/drawing/2014/main" val="3759042379"/>
                     </a:ext>
                   </a:extLst>
                 </a:gridCol>
-                <a:gridCol w="1288656">
+                <a:gridCol w="1839029">
                   <a:extLst>
                     <a:ext uri="{9D8B030D-6E8A-4147-A177-3AD203B41FA5}">
                       <a16:colId xmlns:a16="http://schemas.microsoft.com/office/drawing/2014/main" val="2653409079"/>
                     </a:ext>
                   </a:extLst>
                 </a:gridCol>
-                <a:gridCol w="1634009">
+                <a:gridCol w="1872762">
                   <a:extLst>
                     <a:ext uri="{9D8B030D-6E8A-4147-A177-3AD203B41FA5}">
                       <a16:colId xmlns:a16="http://schemas.microsoft.com/office/drawing/2014/main" val="1750705480"/>
                     </a:ext>
                   </a:extLst>
                 </a:gridCol>
-                <a:gridCol w="1107283">
+                <a:gridCol w="1222130">
                   <a:extLst>
                     <a:ext uri="{9D8B030D-6E8A-4147-A177-3AD203B41FA5}">
                       <a16:colId xmlns:a16="http://schemas.microsoft.com/office/drawing/2014/main" val="3935137038"/>
                     </a:ext>
                   </a:extLst>
                 </a:gridCol>
-                <a:gridCol w="1825318">
+                <a:gridCol w="1755407">
                   <a:extLst>
                     <a:ext uri="{9D8B030D-6E8A-4147-A177-3AD203B41FA5}">
                       <a16:colId xmlns:a16="http://schemas.microsoft.com/office/drawing/2014/main" val="3244311048"/>
                     </a:ext>
                   </a:extLst>
                 </a:gridCol>
-                <a:gridCol w="1318469">
+                <a:gridCol w="1506281">
                   <a:extLst>
                     <a:ext uri="{9D8B030D-6E8A-4147-A177-3AD203B41FA5}">
                       <a16:colId xmlns:a16="http://schemas.microsoft.com/office/drawing/2014/main" val="1377522465"/>
                     </a:ext>
                   </a:extLst>
                 </a:gridCol>
-                <a:gridCol w="1123848">
+                <a:gridCol w="1283936">
                   <a:extLst>
                     <a:ext uri="{9D8B030D-6E8A-4147-A177-3AD203B41FA5}">
                       <a16:colId xmlns:a16="http://schemas.microsoft.com/office/drawing/2014/main" val="2370373270"/>
@@ -4202,7 +4202,7 @@
                   </a:extLst>
                 </a:gridCol>
               </a:tblGrid>
-              <a:tr h="1198672">
+              <a:tr h="1086357">
                 <a:tc>
                   <a:txBody>
                     <a:bodyPr/>
@@ -4441,7 +4441,7 @@
                   </a:ext>
                 </a:extLst>
               </a:tr>
-              <a:tr h="998894">
+              <a:tr h="2337659">
                 <a:tc>
                   <a:txBody>
                     <a:bodyPr/>
@@ -4526,7 +4526,7 @@
                           </a:solidFill>
                           <a:effectLst/>
                         </a:rPr>
-                        <a:t>Search run information based on id or date</a:t>
+                        <a:t>Search run information based on  date, time ,size of the environment, number of regions, and number of steps for completion, description</a:t>
                       </a:r>
                       <a:endParaRPr lang="en-US" sz="1600" b="0" kern="100" dirty="0">
                         <a:solidFill>
@@ -4725,7 +4725,7 @@
                   </a:ext>
                 </a:extLst>
               </a:tr>
-              <a:tr h="998894">
+              <a:tr h="935063">
                 <a:tc>
                   <a:txBody>
                     <a:bodyPr/>
@@ -4961,7 +4961,7 @@
                   </a:ext>
                 </a:extLst>
               </a:tr>
-              <a:tr h="998894">
+              <a:tr h="935063">
                 <a:tc>
                   <a:txBody>
                     <a:bodyPr/>
@@ -5263,7 +5263,7 @@
             <p:ph idx="1"/>
             <p:extLst>
               <p:ext uri="{D42A27DB-BD31-4B8C-83A1-F6EECF244321}">
-                <p14:modId xmlns:p14="http://schemas.microsoft.com/office/powerpoint/2010/main" val="1318018573"/>
+                <p14:modId xmlns:p14="http://schemas.microsoft.com/office/powerpoint/2010/main" val="827687181"/>
               </p:ext>
             </p:extLst>
           </p:nvPr>
@@ -6086,7 +6086,7 @@
                           <a:ea typeface="DengXian" panose="02010600030101010101" pitchFamily="2" charset="-122"/>
                           <a:cs typeface="Times New Roman" panose="02020603050405020304" pitchFamily="18" charset="0"/>
                         </a:rPr>
-                        <a:t>Arrange the screen based on data from database </a:t>
+                        <a:t>Display data based on the search condition</a:t>
                       </a:r>
                     </a:p>
                   </a:txBody>

--- a/Document/GIANTS_FifthPresentation.pptx
+++ b/Document/GIANTS_FifthPresentation.pptx
@@ -5263,7 +5263,7 @@
             <p:ph idx="1"/>
             <p:extLst>
               <p:ext uri="{D42A27DB-BD31-4B8C-83A1-F6EECF244321}">
-                <p14:modId xmlns:p14="http://schemas.microsoft.com/office/powerpoint/2010/main" val="827687181"/>
+                <p14:modId xmlns:p14="http://schemas.microsoft.com/office/powerpoint/2010/main" val="151504217"/>
               </p:ext>
             </p:extLst>
           </p:nvPr>
@@ -6077,6 +6077,18 @@
                         </a:spcAft>
                       </a:pPr>
                       <a:r>
+                        <a:rPr lang="en-US" sz="1200">
+                          <a:solidFill>
+                            <a:schemeClr val="tx1"/>
+                          </a:solidFill>
+                          <a:effectLst/>
+                          <a:latin typeface="Calibri" panose="020F0502020204030204" pitchFamily="34" charset="0"/>
+                          <a:ea typeface="DengXian" panose="02010600030101010101" pitchFamily="2" charset="-122"/>
+                          <a:cs typeface="Times New Roman" panose="02020603050405020304" pitchFamily="18" charset="0"/>
+                        </a:rPr>
+                        <a:t>Display results </a:t>
+                      </a:r>
+                      <a:r>
                         <a:rPr lang="en-US" sz="1200" dirty="0">
                           <a:solidFill>
                             <a:schemeClr val="tx1"/>
@@ -6086,7 +6098,7 @@
                           <a:ea typeface="DengXian" panose="02010600030101010101" pitchFamily="2" charset="-122"/>
                           <a:cs typeface="Times New Roman" panose="02020603050405020304" pitchFamily="18" charset="0"/>
                         </a:rPr>
-                        <a:t>Display data based on the search condition</a:t>
+                        <a:t>based on the search condition</a:t>
                       </a:r>
                     </a:p>
                   </a:txBody>
@@ -10551,498 +10563,6 @@
           </a:p>
         </p:txBody>
       </p:sp>
-      <p:graphicFrame>
-        <p:nvGraphicFramePr>
-          <p:cNvPr id="4" name="Content Placeholder 3"/>
-          <p:cNvGraphicFramePr>
-            <a:graphicFrameLocks noGrp="1"/>
-          </p:cNvGraphicFramePr>
-          <p:nvPr>
-            <p:ph idx="1"/>
-            <p:extLst>
-              <p:ext uri="{D42A27DB-BD31-4B8C-83A1-F6EECF244321}">
-                <p14:modId xmlns:p14="http://schemas.microsoft.com/office/powerpoint/2010/main" val="3617306538"/>
-              </p:ext>
-            </p:extLst>
-          </p:nvPr>
-        </p:nvGraphicFramePr>
-        <p:xfrm>
-          <a:off x="1385254" y="2523744"/>
-          <a:ext cx="9536948" cy="2368262"/>
-        </p:xfrm>
-        <a:graphic>
-          <a:graphicData uri="http://schemas.openxmlformats.org/drawingml/2006/table">
-            <a:tbl>
-              <a:tblPr firstRow="1" firstCol="1" bandRow="1">
-                <a:tableStyleId>{5C22544A-7EE6-4342-B048-85BDC9FD1C3A}</a:tableStyleId>
-              </a:tblPr>
-              <a:tblGrid>
-                <a:gridCol w="788823">
-                  <a:extLst>
-                    <a:ext uri="{9D8B030D-6E8A-4147-A177-3AD203B41FA5}">
-                      <a16:colId xmlns:a16="http://schemas.microsoft.com/office/drawing/2014/main" val="3557047581"/>
-                    </a:ext>
-                  </a:extLst>
-                </a:gridCol>
-                <a:gridCol w="4426346">
-                  <a:extLst>
-                    <a:ext uri="{9D8B030D-6E8A-4147-A177-3AD203B41FA5}">
-                      <a16:colId xmlns:a16="http://schemas.microsoft.com/office/drawing/2014/main" val="2674305850"/>
-                    </a:ext>
-                  </a:extLst>
-                </a:gridCol>
-                <a:gridCol w="1763432">
-                  <a:extLst>
-                    <a:ext uri="{9D8B030D-6E8A-4147-A177-3AD203B41FA5}">
-                      <a16:colId xmlns:a16="http://schemas.microsoft.com/office/drawing/2014/main" val="1732536278"/>
-                    </a:ext>
-                  </a:extLst>
-                </a:gridCol>
-                <a:gridCol w="2558347">
-                  <a:extLst>
-                    <a:ext uri="{9D8B030D-6E8A-4147-A177-3AD203B41FA5}">
-                      <a16:colId xmlns:a16="http://schemas.microsoft.com/office/drawing/2014/main" val="975562079"/>
-                    </a:ext>
-                  </a:extLst>
-                </a:gridCol>
-              </a:tblGrid>
-              <a:tr h="822960">
-                <a:tc>
-                  <a:txBody>
-                    <a:bodyPr/>
-                    <a:lstStyle/>
-                    <a:p>
-                      <a:pPr marL="0" marR="0" algn="ctr">
-                        <a:spcBef>
-                          <a:spcPts val="0"/>
-                        </a:spcBef>
-                        <a:spcAft>
-                          <a:spcPts val="0"/>
-                        </a:spcAft>
-                      </a:pPr>
-                      <a:r>
-                        <a:rPr lang="en-US" sz="1600" kern="100" dirty="0">
-                          <a:effectLst/>
-                        </a:rPr>
-                        <a:t>Test case</a:t>
-                      </a:r>
-                    </a:p>
-                    <a:p>
-                      <a:pPr marL="0" marR="0" algn="ctr">
-                        <a:spcBef>
-                          <a:spcPts val="0"/>
-                        </a:spcBef>
-                        <a:spcAft>
-                          <a:spcPts val="0"/>
-                        </a:spcAft>
-                      </a:pPr>
-                      <a:r>
-                        <a:rPr lang="en-US" sz="1600" kern="100" dirty="0">
-                          <a:effectLst/>
-                        </a:rPr>
-                        <a:t>#</a:t>
-                      </a:r>
-                      <a:endParaRPr lang="en-US" sz="1600" kern="100" dirty="0">
-                        <a:effectLst/>
-                        <a:latin typeface="Times New Roman" panose="02020603050405020304" pitchFamily="18" charset="0"/>
-                        <a:ea typeface="DengXian" panose="02010600030101010101" pitchFamily="2" charset="-122"/>
-                        <a:cs typeface="Times New Roman" panose="02020603050405020304" pitchFamily="18" charset="0"/>
-                      </a:endParaRPr>
-                    </a:p>
-                  </a:txBody>
-                  <a:tcPr marL="68580" marR="68580" marT="0" marB="0"/>
-                </a:tc>
-                <a:tc>
-                  <a:txBody>
-                    <a:bodyPr/>
-                    <a:lstStyle/>
-                    <a:p>
-                      <a:pPr marL="0" marR="0" algn="ctr">
-                        <a:spcBef>
-                          <a:spcPts val="0"/>
-                        </a:spcBef>
-                        <a:spcAft>
-                          <a:spcPts val="0"/>
-                        </a:spcAft>
-                      </a:pPr>
-                      <a:r>
-                        <a:rPr lang="en-US" sz="1600" kern="100" dirty="0">
-                          <a:effectLst/>
-                        </a:rPr>
-                        <a:t>Scenario</a:t>
-                      </a:r>
-                    </a:p>
-                    <a:p>
-                      <a:pPr marL="0" marR="0">
-                        <a:spcBef>
-                          <a:spcPts val="0"/>
-                        </a:spcBef>
-                        <a:spcAft>
-                          <a:spcPts val="0"/>
-                        </a:spcAft>
-                      </a:pPr>
-                      <a:r>
-                        <a:rPr lang="en-US" sz="1600" kern="100" dirty="0">
-                          <a:effectLst/>
-                        </a:rPr>
-                        <a:t> </a:t>
-                      </a:r>
-                      <a:endParaRPr lang="en-US" sz="1600" kern="100" dirty="0">
-                        <a:effectLst/>
-                        <a:latin typeface="Times New Roman" panose="02020603050405020304" pitchFamily="18" charset="0"/>
-                        <a:ea typeface="DengXian" panose="02010600030101010101" pitchFamily="2" charset="-122"/>
-                        <a:cs typeface="Times New Roman" panose="02020603050405020304" pitchFamily="18" charset="0"/>
-                      </a:endParaRPr>
-                    </a:p>
-                  </a:txBody>
-                  <a:tcPr marL="68580" marR="68580" marT="0" marB="0"/>
-                </a:tc>
-                <a:tc>
-                  <a:txBody>
-                    <a:bodyPr/>
-                    <a:lstStyle/>
-                    <a:p>
-                      <a:pPr marL="0" marR="0" algn="ctr">
-                        <a:spcBef>
-                          <a:spcPts val="0"/>
-                        </a:spcBef>
-                        <a:spcAft>
-                          <a:spcPts val="0"/>
-                        </a:spcAft>
-                      </a:pPr>
-                      <a:r>
-                        <a:rPr lang="en-US" sz="1600" kern="100">
-                          <a:effectLst/>
-                        </a:rPr>
-                        <a:t>Input(s)</a:t>
-                      </a:r>
-                    </a:p>
-                    <a:p>
-                      <a:pPr marL="0" marR="0">
-                        <a:spcBef>
-                          <a:spcPts val="0"/>
-                        </a:spcBef>
-                        <a:spcAft>
-                          <a:spcPts val="0"/>
-                        </a:spcAft>
-                      </a:pPr>
-                      <a:r>
-                        <a:rPr lang="en-US" sz="1600" kern="100">
-                          <a:effectLst/>
-                        </a:rPr>
-                        <a:t> </a:t>
-                      </a:r>
-                      <a:endParaRPr lang="en-US" sz="1600" kern="100">
-                        <a:effectLst/>
-                        <a:latin typeface="Times New Roman" panose="02020603050405020304" pitchFamily="18" charset="0"/>
-                        <a:ea typeface="DengXian" panose="02010600030101010101" pitchFamily="2" charset="-122"/>
-                        <a:cs typeface="Times New Roman" panose="02020603050405020304" pitchFamily="18" charset="0"/>
-                      </a:endParaRPr>
-                    </a:p>
-                  </a:txBody>
-                  <a:tcPr marL="68580" marR="68580" marT="0" marB="0"/>
-                </a:tc>
-                <a:tc>
-                  <a:txBody>
-                    <a:bodyPr/>
-                    <a:lstStyle/>
-                    <a:p>
-                      <a:pPr marL="0" marR="0" algn="ctr">
-                        <a:spcBef>
-                          <a:spcPts val="0"/>
-                        </a:spcBef>
-                        <a:spcAft>
-                          <a:spcPts val="0"/>
-                        </a:spcAft>
-                      </a:pPr>
-                      <a:r>
-                        <a:rPr lang="en-US" sz="1600" kern="100" dirty="0">
-                          <a:effectLst/>
-                        </a:rPr>
-                        <a:t>Expected output</a:t>
-                      </a:r>
-                    </a:p>
-                    <a:p>
-                      <a:pPr marL="0" marR="0">
-                        <a:spcBef>
-                          <a:spcPts val="0"/>
-                        </a:spcBef>
-                        <a:spcAft>
-                          <a:spcPts val="0"/>
-                        </a:spcAft>
-                      </a:pPr>
-                      <a:r>
-                        <a:rPr lang="en-US" sz="1600" kern="100" dirty="0">
-                          <a:effectLst/>
-                        </a:rPr>
-                        <a:t> </a:t>
-                      </a:r>
-                      <a:endParaRPr lang="en-US" sz="1600" kern="100" dirty="0">
-                        <a:effectLst/>
-                        <a:latin typeface="Times New Roman" panose="02020603050405020304" pitchFamily="18" charset="0"/>
-                        <a:ea typeface="DengXian" panose="02010600030101010101" pitchFamily="2" charset="-122"/>
-                        <a:cs typeface="Times New Roman" panose="02020603050405020304" pitchFamily="18" charset="0"/>
-                      </a:endParaRPr>
-                    </a:p>
-                  </a:txBody>
-                  <a:tcPr marL="68580" marR="68580" marT="0" marB="0"/>
-                </a:tc>
-                <a:extLst>
-                  <a:ext uri="{0D108BD9-81ED-4DB2-BD59-A6C34878D82A}">
-                    <a16:rowId xmlns:a16="http://schemas.microsoft.com/office/drawing/2014/main" val="3750143926"/>
-                  </a:ext>
-                </a:extLst>
-              </a:tr>
-              <a:tr h="772651">
-                <a:tc>
-                  <a:txBody>
-                    <a:bodyPr/>
-                    <a:lstStyle/>
-                    <a:p>
-                      <a:pPr marL="0" marR="0" algn="ctr">
-                        <a:spcBef>
-                          <a:spcPts val="0"/>
-                        </a:spcBef>
-                        <a:spcAft>
-                          <a:spcPts val="0"/>
-                        </a:spcAft>
-                      </a:pPr>
-                      <a:r>
-                        <a:rPr lang="en-US" sz="1600" kern="100">
-                          <a:effectLst/>
-                        </a:rPr>
-                        <a:t>1</a:t>
-                      </a:r>
-                      <a:endParaRPr lang="en-US" sz="1600" kern="100">
-                        <a:effectLst/>
-                        <a:latin typeface="Times New Roman" panose="02020603050405020304" pitchFamily="18" charset="0"/>
-                        <a:ea typeface="DengXian" panose="02010600030101010101" pitchFamily="2" charset="-122"/>
-                        <a:cs typeface="Times New Roman" panose="02020603050405020304" pitchFamily="18" charset="0"/>
-                      </a:endParaRPr>
-                    </a:p>
-                  </a:txBody>
-                  <a:tcPr marL="68580" marR="68580" marT="0" marB="0"/>
-                </a:tc>
-                <a:tc>
-                  <a:txBody>
-                    <a:bodyPr/>
-                    <a:lstStyle/>
-                    <a:p>
-                      <a:pPr marL="0" marR="0">
-                        <a:spcBef>
-                          <a:spcPts val="0"/>
-                        </a:spcBef>
-                        <a:spcAft>
-                          <a:spcPts val="0"/>
-                        </a:spcAft>
-                      </a:pPr>
-                      <a:r>
-                        <a:rPr lang="en-US" sz="1600" kern="100" dirty="0">
-                          <a:effectLst/>
-                        </a:rPr>
-                        <a:t>Input file contains more than [n/4] agents where n is the number of open spaces in that region</a:t>
-                      </a:r>
-                      <a:endParaRPr lang="en-US" sz="1600" kern="100" dirty="0">
-                        <a:effectLst/>
-                        <a:latin typeface="Times New Roman" panose="02020603050405020304" pitchFamily="18" charset="0"/>
-                        <a:ea typeface="DengXian" panose="02010600030101010101" pitchFamily="2" charset="-122"/>
-                        <a:cs typeface="Times New Roman" panose="02020603050405020304" pitchFamily="18" charset="0"/>
-                      </a:endParaRPr>
-                    </a:p>
-                  </a:txBody>
-                  <a:tcPr marL="68580" marR="68580" marT="0" marB="0"/>
-                </a:tc>
-                <a:tc>
-                  <a:txBody>
-                    <a:bodyPr/>
-                    <a:lstStyle/>
-                    <a:p>
-                      <a:pPr marL="0" marR="0" algn="ctr">
-                        <a:spcBef>
-                          <a:spcPts val="0"/>
-                        </a:spcBef>
-                        <a:spcAft>
-                          <a:spcPts val="0"/>
-                        </a:spcAft>
-                      </a:pPr>
-                      <a:r>
-                        <a:rPr lang="en-US" sz="1600" kern="100" dirty="0">
-                          <a:effectLst/>
-                        </a:rPr>
-                        <a:t>file</a:t>
-                      </a:r>
-                      <a:endParaRPr lang="en-US" sz="1600" kern="100" dirty="0">
-                        <a:effectLst/>
-                        <a:latin typeface="Times New Roman" panose="02020603050405020304" pitchFamily="18" charset="0"/>
-                        <a:ea typeface="DengXian" panose="02010600030101010101" pitchFamily="2" charset="-122"/>
-                        <a:cs typeface="Times New Roman" panose="02020603050405020304" pitchFamily="18" charset="0"/>
-                      </a:endParaRPr>
-                    </a:p>
-                  </a:txBody>
-                  <a:tcPr marL="68580" marR="68580" marT="0" marB="0"/>
-                </a:tc>
-                <a:tc>
-                  <a:txBody>
-                    <a:bodyPr/>
-                    <a:lstStyle/>
-                    <a:p>
-                      <a:pPr marL="0" marR="0">
-                        <a:spcBef>
-                          <a:spcPts val="0"/>
-                        </a:spcBef>
-                        <a:spcAft>
-                          <a:spcPts val="0"/>
-                        </a:spcAft>
-                      </a:pPr>
-                      <a:r>
-                        <a:rPr lang="en-US" sz="1600" kern="100" dirty="0">
-                          <a:effectLst/>
-                        </a:rPr>
-                        <a:t>Error message : too many agents in same region</a:t>
-                      </a:r>
-                      <a:endParaRPr lang="en-US" sz="1600" kern="100" dirty="0">
-                        <a:effectLst/>
-                        <a:latin typeface="Times New Roman" panose="02020603050405020304" pitchFamily="18" charset="0"/>
-                        <a:ea typeface="DengXian" panose="02010600030101010101" pitchFamily="2" charset="-122"/>
-                        <a:cs typeface="Times New Roman" panose="02020603050405020304" pitchFamily="18" charset="0"/>
-                      </a:endParaRPr>
-                    </a:p>
-                  </a:txBody>
-                  <a:tcPr marL="68580" marR="68580" marT="0" marB="0"/>
-                </a:tc>
-                <a:extLst>
-                  <a:ext uri="{0D108BD9-81ED-4DB2-BD59-A6C34878D82A}">
-                    <a16:rowId xmlns:a16="http://schemas.microsoft.com/office/drawing/2014/main" val="1717776012"/>
-                  </a:ext>
-                </a:extLst>
-              </a:tr>
-              <a:tr h="772651">
-                <a:tc>
-                  <a:txBody>
-                    <a:bodyPr/>
-                    <a:lstStyle/>
-                    <a:p>
-                      <a:pPr marL="0" marR="0" algn="ctr">
-                        <a:spcBef>
-                          <a:spcPts val="0"/>
-                        </a:spcBef>
-                        <a:spcAft>
-                          <a:spcPts val="0"/>
-                        </a:spcAft>
-                      </a:pPr>
-                      <a:r>
-                        <a:rPr lang="en-US" sz="1600" kern="100">
-                          <a:effectLst/>
-                        </a:rPr>
-                        <a:t>2</a:t>
-                      </a:r>
-                      <a:endParaRPr lang="en-US" sz="1600" kern="100">
-                        <a:effectLst/>
-                        <a:latin typeface="Times New Roman" panose="02020603050405020304" pitchFamily="18" charset="0"/>
-                        <a:ea typeface="DengXian" panose="02010600030101010101" pitchFamily="2" charset="-122"/>
-                        <a:cs typeface="Times New Roman" panose="02020603050405020304" pitchFamily="18" charset="0"/>
-                      </a:endParaRPr>
-                    </a:p>
-                  </a:txBody>
-                  <a:tcPr marL="68580" marR="68580" marT="0" marB="0"/>
-                </a:tc>
-                <a:tc>
-                  <a:txBody>
-                    <a:bodyPr/>
-                    <a:lstStyle/>
-                    <a:p>
-                      <a:pPr marL="0" marR="0">
-                        <a:spcBef>
-                          <a:spcPts val="0"/>
-                        </a:spcBef>
-                        <a:spcAft>
-                          <a:spcPts val="0"/>
-                        </a:spcAft>
-                      </a:pPr>
-                      <a:r>
-                        <a:rPr lang="en-US" sz="1600" kern="100">
-                          <a:effectLst/>
-                        </a:rPr>
-                        <a:t>Input file contains agents that don’t placed at the end nodes of the region.</a:t>
-                      </a:r>
-                      <a:endParaRPr lang="en-US" sz="1600" kern="100">
-                        <a:effectLst/>
-                        <a:latin typeface="Times New Roman" panose="02020603050405020304" pitchFamily="18" charset="0"/>
-                        <a:ea typeface="DengXian" panose="02010600030101010101" pitchFamily="2" charset="-122"/>
-                        <a:cs typeface="Times New Roman" panose="02020603050405020304" pitchFamily="18" charset="0"/>
-                      </a:endParaRPr>
-                    </a:p>
-                  </a:txBody>
-                  <a:tcPr marL="68580" marR="68580" marT="0" marB="0"/>
-                </a:tc>
-                <a:tc>
-                  <a:txBody>
-                    <a:bodyPr/>
-                    <a:lstStyle/>
-                    <a:p>
-                      <a:pPr marL="0" marR="0" algn="ctr">
-                        <a:spcBef>
-                          <a:spcPts val="0"/>
-                        </a:spcBef>
-                        <a:spcAft>
-                          <a:spcPts val="0"/>
-                        </a:spcAft>
-                      </a:pPr>
-                      <a:r>
-                        <a:rPr lang="en-US" sz="1600" kern="100" dirty="0">
-                          <a:effectLst/>
-                        </a:rPr>
-                        <a:t>file</a:t>
-                      </a:r>
-                      <a:endParaRPr lang="en-US" sz="1600" kern="100" dirty="0">
-                        <a:effectLst/>
-                        <a:latin typeface="Times New Roman" panose="02020603050405020304" pitchFamily="18" charset="0"/>
-                        <a:ea typeface="DengXian" panose="02010600030101010101" pitchFamily="2" charset="-122"/>
-                        <a:cs typeface="Times New Roman" panose="02020603050405020304" pitchFamily="18" charset="0"/>
-                      </a:endParaRPr>
-                    </a:p>
-                  </a:txBody>
-                  <a:tcPr marL="68580" marR="68580" marT="0" marB="0"/>
-                </a:tc>
-                <a:tc>
-                  <a:txBody>
-                    <a:bodyPr/>
-                    <a:lstStyle/>
-                    <a:p>
-                      <a:pPr marL="0" marR="0">
-                        <a:spcBef>
-                          <a:spcPts val="0"/>
-                        </a:spcBef>
-                        <a:spcAft>
-                          <a:spcPts val="0"/>
-                        </a:spcAft>
-                      </a:pPr>
-                      <a:r>
-                        <a:rPr lang="en-US" sz="1600" kern="100" dirty="0">
-                          <a:effectLst/>
-                        </a:rPr>
-                        <a:t>Error message : agents initial position error</a:t>
-                      </a:r>
-                      <a:endParaRPr lang="en-US" sz="1600" kern="100" dirty="0">
-                        <a:effectLst/>
-                        <a:latin typeface="Times New Roman" panose="02020603050405020304" pitchFamily="18" charset="0"/>
-                        <a:ea typeface="DengXian" panose="02010600030101010101" pitchFamily="2" charset="-122"/>
-                        <a:cs typeface="Times New Roman" panose="02020603050405020304" pitchFamily="18" charset="0"/>
-                      </a:endParaRPr>
-                    </a:p>
-                  </a:txBody>
-                  <a:tcPr marL="68580" marR="68580" marT="0" marB="0"/>
-                </a:tc>
-                <a:extLst>
-                  <a:ext uri="{0D108BD9-81ED-4DB2-BD59-A6C34878D82A}">
-                    <a16:rowId xmlns:a16="http://schemas.microsoft.com/office/drawing/2014/main" val="1220980335"/>
-                  </a:ext>
-                </a:extLst>
-              </a:tr>
-            </a:tbl>
-          </a:graphicData>
-        </a:graphic>
-      </p:graphicFrame>
       <p:sp>
         <p:nvSpPr>
           <p:cNvPr id="5" name="Rectangle 1"/>
@@ -11244,6 +10764,1113 @@
           </a:p>
         </p:txBody>
       </p:sp>
+      <p:graphicFrame>
+        <p:nvGraphicFramePr>
+          <p:cNvPr id="7" name="Content Placeholder 6"/>
+          <p:cNvGraphicFramePr>
+            <a:graphicFrameLocks noGrp="1"/>
+          </p:cNvGraphicFramePr>
+          <p:nvPr>
+            <p:ph idx="1"/>
+            <p:extLst>
+              <p:ext uri="{D42A27DB-BD31-4B8C-83A1-F6EECF244321}">
+                <p14:modId xmlns:p14="http://schemas.microsoft.com/office/powerpoint/2010/main" val="3154564876"/>
+              </p:ext>
+            </p:extLst>
+          </p:nvPr>
+        </p:nvGraphicFramePr>
+        <p:xfrm>
+          <a:off x="1463415" y="2497018"/>
+          <a:ext cx="9513278" cy="4360982"/>
+        </p:xfrm>
+        <a:graphic>
+          <a:graphicData uri="http://schemas.openxmlformats.org/drawingml/2006/table">
+            <a:tbl>
+              <a:tblPr firstRow="1" firstCol="1" bandRow="1">
+                <a:tableStyleId>{5C22544A-7EE6-4342-B048-85BDC9FD1C3A}</a:tableStyleId>
+              </a:tblPr>
+              <a:tblGrid>
+                <a:gridCol w="786867">
+                  <a:extLst>
+                    <a:ext uri="{9D8B030D-6E8A-4147-A177-3AD203B41FA5}">
+                      <a16:colId xmlns:a16="http://schemas.microsoft.com/office/drawing/2014/main" val="1726903344"/>
+                    </a:ext>
+                  </a:extLst>
+                </a:gridCol>
+                <a:gridCol w="4415359">
+                  <a:extLst>
+                    <a:ext uri="{9D8B030D-6E8A-4147-A177-3AD203B41FA5}">
+                      <a16:colId xmlns:a16="http://schemas.microsoft.com/office/drawing/2014/main" val="3205639649"/>
+                    </a:ext>
+                  </a:extLst>
+                </a:gridCol>
+                <a:gridCol w="1759055">
+                  <a:extLst>
+                    <a:ext uri="{9D8B030D-6E8A-4147-A177-3AD203B41FA5}">
+                      <a16:colId xmlns:a16="http://schemas.microsoft.com/office/drawing/2014/main" val="4248920563"/>
+                    </a:ext>
+                  </a:extLst>
+                </a:gridCol>
+                <a:gridCol w="2551997">
+                  <a:extLst>
+                    <a:ext uri="{9D8B030D-6E8A-4147-A177-3AD203B41FA5}">
+                      <a16:colId xmlns:a16="http://schemas.microsoft.com/office/drawing/2014/main" val="3647003673"/>
+                    </a:ext>
+                  </a:extLst>
+                </a:gridCol>
+              </a:tblGrid>
+              <a:tr h="719888">
+                <a:tc>
+                  <a:txBody>
+                    <a:bodyPr/>
+                    <a:lstStyle/>
+                    <a:p>
+                      <a:pPr marL="0" marR="0" algn="ctr">
+                        <a:spcBef>
+                          <a:spcPts val="0"/>
+                        </a:spcBef>
+                        <a:spcAft>
+                          <a:spcPts val="0"/>
+                        </a:spcAft>
+                      </a:pPr>
+                      <a:r>
+                        <a:rPr lang="en-US" sz="1400" kern="100" dirty="0">
+                          <a:effectLst/>
+                        </a:rPr>
+                        <a:t>Test case</a:t>
+                      </a:r>
+                    </a:p>
+                    <a:p>
+                      <a:pPr marL="0" marR="0" algn="ctr">
+                        <a:spcBef>
+                          <a:spcPts val="0"/>
+                        </a:spcBef>
+                        <a:spcAft>
+                          <a:spcPts val="0"/>
+                        </a:spcAft>
+                      </a:pPr>
+                      <a:r>
+                        <a:rPr lang="en-US" sz="1400" kern="100" dirty="0">
+                          <a:effectLst/>
+                        </a:rPr>
+                        <a:t>#</a:t>
+                      </a:r>
+                      <a:endParaRPr lang="en-US" sz="1400" kern="100" dirty="0">
+                        <a:effectLst/>
+                        <a:latin typeface="Times New Roman" panose="02020603050405020304" pitchFamily="18" charset="0"/>
+                        <a:ea typeface="DengXian" panose="02010600030101010101" pitchFamily="2" charset="-122"/>
+                        <a:cs typeface="Times New Roman" panose="02020603050405020304" pitchFamily="18" charset="0"/>
+                      </a:endParaRPr>
+                    </a:p>
+                  </a:txBody>
+                  <a:tcPr marL="63534" marR="63534" marT="0" marB="0"/>
+                </a:tc>
+                <a:tc>
+                  <a:txBody>
+                    <a:bodyPr/>
+                    <a:lstStyle/>
+                    <a:p>
+                      <a:pPr marL="0" marR="0" algn="ctr">
+                        <a:spcBef>
+                          <a:spcPts val="0"/>
+                        </a:spcBef>
+                        <a:spcAft>
+                          <a:spcPts val="0"/>
+                        </a:spcAft>
+                      </a:pPr>
+                      <a:r>
+                        <a:rPr lang="en-US" sz="1400" kern="100" dirty="0">
+                          <a:effectLst/>
+                        </a:rPr>
+                        <a:t>Scenario</a:t>
+                      </a:r>
+                    </a:p>
+                    <a:p>
+                      <a:pPr marL="0" marR="0">
+                        <a:spcBef>
+                          <a:spcPts val="0"/>
+                        </a:spcBef>
+                        <a:spcAft>
+                          <a:spcPts val="0"/>
+                        </a:spcAft>
+                      </a:pPr>
+                      <a:r>
+                        <a:rPr lang="en-US" sz="1400" kern="100" dirty="0">
+                          <a:effectLst/>
+                        </a:rPr>
+                        <a:t> </a:t>
+                      </a:r>
+                      <a:endParaRPr lang="en-US" sz="1400" kern="100" dirty="0">
+                        <a:effectLst/>
+                        <a:latin typeface="Times New Roman" panose="02020603050405020304" pitchFamily="18" charset="0"/>
+                        <a:ea typeface="DengXian" panose="02010600030101010101" pitchFamily="2" charset="-122"/>
+                        <a:cs typeface="Times New Roman" panose="02020603050405020304" pitchFamily="18" charset="0"/>
+                      </a:endParaRPr>
+                    </a:p>
+                  </a:txBody>
+                  <a:tcPr marL="63534" marR="63534" marT="0" marB="0"/>
+                </a:tc>
+                <a:tc>
+                  <a:txBody>
+                    <a:bodyPr/>
+                    <a:lstStyle/>
+                    <a:p>
+                      <a:pPr marL="0" marR="0" algn="ctr">
+                        <a:spcBef>
+                          <a:spcPts val="0"/>
+                        </a:spcBef>
+                        <a:spcAft>
+                          <a:spcPts val="0"/>
+                        </a:spcAft>
+                      </a:pPr>
+                      <a:r>
+                        <a:rPr lang="en-US" sz="1400" kern="100">
+                          <a:effectLst/>
+                        </a:rPr>
+                        <a:t>Input(s)</a:t>
+                      </a:r>
+                    </a:p>
+                    <a:p>
+                      <a:pPr marL="0" marR="0">
+                        <a:spcBef>
+                          <a:spcPts val="0"/>
+                        </a:spcBef>
+                        <a:spcAft>
+                          <a:spcPts val="0"/>
+                        </a:spcAft>
+                      </a:pPr>
+                      <a:r>
+                        <a:rPr lang="en-US" sz="1400" kern="100">
+                          <a:effectLst/>
+                        </a:rPr>
+                        <a:t> </a:t>
+                      </a:r>
+                      <a:endParaRPr lang="en-US" sz="1400" kern="100">
+                        <a:effectLst/>
+                        <a:latin typeface="Times New Roman" panose="02020603050405020304" pitchFamily="18" charset="0"/>
+                        <a:ea typeface="DengXian" panose="02010600030101010101" pitchFamily="2" charset="-122"/>
+                        <a:cs typeface="Times New Roman" panose="02020603050405020304" pitchFamily="18" charset="0"/>
+                      </a:endParaRPr>
+                    </a:p>
+                  </a:txBody>
+                  <a:tcPr marL="63534" marR="63534" marT="0" marB="0"/>
+                </a:tc>
+                <a:tc>
+                  <a:txBody>
+                    <a:bodyPr/>
+                    <a:lstStyle/>
+                    <a:p>
+                      <a:pPr marL="0" marR="0" algn="ctr">
+                        <a:spcBef>
+                          <a:spcPts val="0"/>
+                        </a:spcBef>
+                        <a:spcAft>
+                          <a:spcPts val="0"/>
+                        </a:spcAft>
+                      </a:pPr>
+                      <a:r>
+                        <a:rPr lang="en-US" sz="1400" kern="100">
+                          <a:effectLst/>
+                        </a:rPr>
+                        <a:t>Expected output</a:t>
+                      </a:r>
+                    </a:p>
+                    <a:p>
+                      <a:pPr marL="0" marR="0">
+                        <a:spcBef>
+                          <a:spcPts val="0"/>
+                        </a:spcBef>
+                        <a:spcAft>
+                          <a:spcPts val="0"/>
+                        </a:spcAft>
+                      </a:pPr>
+                      <a:r>
+                        <a:rPr lang="en-US" sz="1400" kern="100">
+                          <a:effectLst/>
+                        </a:rPr>
+                        <a:t> </a:t>
+                      </a:r>
+                      <a:endParaRPr lang="en-US" sz="1400" kern="100">
+                        <a:effectLst/>
+                        <a:latin typeface="Times New Roman" panose="02020603050405020304" pitchFamily="18" charset="0"/>
+                        <a:ea typeface="DengXian" panose="02010600030101010101" pitchFamily="2" charset="-122"/>
+                        <a:cs typeface="Times New Roman" panose="02020603050405020304" pitchFamily="18" charset="0"/>
+                      </a:endParaRPr>
+                    </a:p>
+                  </a:txBody>
+                  <a:tcPr marL="63534" marR="63534" marT="0" marB="0"/>
+                </a:tc>
+                <a:extLst>
+                  <a:ext uri="{0D108BD9-81ED-4DB2-BD59-A6C34878D82A}">
+                    <a16:rowId xmlns:a16="http://schemas.microsoft.com/office/drawing/2014/main" val="102892101"/>
+                  </a:ext>
+                </a:extLst>
+              </a:tr>
+              <a:tr h="642546">
+                <a:tc>
+                  <a:txBody>
+                    <a:bodyPr/>
+                    <a:lstStyle/>
+                    <a:p>
+                      <a:pPr marL="0" marR="0" algn="ctr">
+                        <a:spcBef>
+                          <a:spcPts val="0"/>
+                        </a:spcBef>
+                        <a:spcAft>
+                          <a:spcPts val="0"/>
+                        </a:spcAft>
+                      </a:pPr>
+                      <a:r>
+                        <a:rPr lang="en-US" sz="1400" kern="100">
+                          <a:effectLst/>
+                        </a:rPr>
+                        <a:t>1</a:t>
+                      </a:r>
+                      <a:endParaRPr lang="en-US" sz="1400" kern="100">
+                        <a:effectLst/>
+                        <a:latin typeface="Times New Roman" panose="02020603050405020304" pitchFamily="18" charset="0"/>
+                        <a:ea typeface="DengXian" panose="02010600030101010101" pitchFamily="2" charset="-122"/>
+                        <a:cs typeface="Times New Roman" panose="02020603050405020304" pitchFamily="18" charset="0"/>
+                      </a:endParaRPr>
+                    </a:p>
+                  </a:txBody>
+                  <a:tcPr marL="63534" marR="63534" marT="0" marB="0"/>
+                </a:tc>
+                <a:tc>
+                  <a:txBody>
+                    <a:bodyPr/>
+                    <a:lstStyle/>
+                    <a:p>
+                      <a:pPr marL="0" marR="0">
+                        <a:spcBef>
+                          <a:spcPts val="0"/>
+                        </a:spcBef>
+                        <a:spcAft>
+                          <a:spcPts val="0"/>
+                        </a:spcAft>
+                      </a:pPr>
+                      <a:r>
+                        <a:rPr lang="en-US" sz="1400" kern="100" dirty="0">
+                          <a:effectLst/>
+                        </a:rPr>
+                        <a:t>Environment has one region and the region has no agent</a:t>
+                      </a:r>
+                      <a:endParaRPr lang="en-US" sz="1400" kern="100" dirty="0">
+                        <a:effectLst/>
+                        <a:latin typeface="Times New Roman" panose="02020603050405020304" pitchFamily="18" charset="0"/>
+                        <a:ea typeface="DengXian" panose="02010600030101010101" pitchFamily="2" charset="-122"/>
+                        <a:cs typeface="Times New Roman" panose="02020603050405020304" pitchFamily="18" charset="0"/>
+                      </a:endParaRPr>
+                    </a:p>
+                  </a:txBody>
+                  <a:tcPr marL="63534" marR="63534" marT="0" marB="0"/>
+                </a:tc>
+                <a:tc>
+                  <a:txBody>
+                    <a:bodyPr/>
+                    <a:lstStyle/>
+                    <a:p>
+                      <a:pPr marL="0" marR="0" algn="ctr">
+                        <a:spcBef>
+                          <a:spcPts val="0"/>
+                        </a:spcBef>
+                        <a:spcAft>
+                          <a:spcPts val="0"/>
+                        </a:spcAft>
+                      </a:pPr>
+                      <a:r>
+                        <a:rPr lang="en-US" sz="1400" kern="100">
+                          <a:effectLst/>
+                        </a:rPr>
+                        <a:t>File</a:t>
+                      </a:r>
+                      <a:endParaRPr lang="en-US" sz="1400" kern="100">
+                        <a:effectLst/>
+                        <a:latin typeface="Times New Roman" panose="02020603050405020304" pitchFamily="18" charset="0"/>
+                        <a:ea typeface="DengXian" panose="02010600030101010101" pitchFamily="2" charset="-122"/>
+                        <a:cs typeface="Times New Roman" panose="02020603050405020304" pitchFamily="18" charset="0"/>
+                      </a:endParaRPr>
+                    </a:p>
+                  </a:txBody>
+                  <a:tcPr marL="63534" marR="63534" marT="0" marB="0"/>
+                </a:tc>
+                <a:tc>
+                  <a:txBody>
+                    <a:bodyPr/>
+                    <a:lstStyle/>
+                    <a:p>
+                      <a:pPr marL="0" marR="0">
+                        <a:spcBef>
+                          <a:spcPts val="0"/>
+                        </a:spcBef>
+                        <a:spcAft>
+                          <a:spcPts val="0"/>
+                        </a:spcAft>
+                      </a:pPr>
+                      <a:r>
+                        <a:rPr lang="en-US" sz="1400" kern="100">
+                          <a:effectLst/>
+                        </a:rPr>
+                        <a:t>Error message that show each region has at least one agent</a:t>
+                      </a:r>
+                      <a:endParaRPr lang="en-US" sz="1400" kern="100">
+                        <a:effectLst/>
+                        <a:latin typeface="Times New Roman" panose="02020603050405020304" pitchFamily="18" charset="0"/>
+                        <a:ea typeface="DengXian" panose="02010600030101010101" pitchFamily="2" charset="-122"/>
+                        <a:cs typeface="Times New Roman" panose="02020603050405020304" pitchFamily="18" charset="0"/>
+                      </a:endParaRPr>
+                    </a:p>
+                  </a:txBody>
+                  <a:tcPr marL="63534" marR="63534" marT="0" marB="0"/>
+                </a:tc>
+                <a:extLst>
+                  <a:ext uri="{0D108BD9-81ED-4DB2-BD59-A6C34878D82A}">
+                    <a16:rowId xmlns:a16="http://schemas.microsoft.com/office/drawing/2014/main" val="537748243"/>
+                  </a:ext>
+                </a:extLst>
+              </a:tr>
+              <a:tr h="428364">
+                <a:tc>
+                  <a:txBody>
+                    <a:bodyPr/>
+                    <a:lstStyle/>
+                    <a:p>
+                      <a:pPr marL="0" marR="0" algn="ctr">
+                        <a:spcBef>
+                          <a:spcPts val="0"/>
+                        </a:spcBef>
+                        <a:spcAft>
+                          <a:spcPts val="0"/>
+                        </a:spcAft>
+                      </a:pPr>
+                      <a:r>
+                        <a:rPr lang="en-US" sz="1400" kern="100">
+                          <a:effectLst/>
+                        </a:rPr>
+                        <a:t>2</a:t>
+                      </a:r>
+                      <a:endParaRPr lang="en-US" sz="1400" kern="100">
+                        <a:effectLst/>
+                        <a:latin typeface="Times New Roman" panose="02020603050405020304" pitchFamily="18" charset="0"/>
+                        <a:ea typeface="DengXian" panose="02010600030101010101" pitchFamily="2" charset="-122"/>
+                        <a:cs typeface="Times New Roman" panose="02020603050405020304" pitchFamily="18" charset="0"/>
+                      </a:endParaRPr>
+                    </a:p>
+                  </a:txBody>
+                  <a:tcPr marL="63534" marR="63534" marT="0" marB="0"/>
+                </a:tc>
+                <a:tc>
+                  <a:txBody>
+                    <a:bodyPr/>
+                    <a:lstStyle/>
+                    <a:p>
+                      <a:pPr marL="0" marR="0">
+                        <a:spcBef>
+                          <a:spcPts val="0"/>
+                        </a:spcBef>
+                        <a:spcAft>
+                          <a:spcPts val="0"/>
+                        </a:spcAft>
+                      </a:pPr>
+                      <a:r>
+                        <a:rPr lang="en-US" sz="1400" kern="100" dirty="0">
+                          <a:effectLst/>
+                        </a:rPr>
+                        <a:t>Environment has one region, the number of agents in that region is [1-n/4]</a:t>
+                      </a:r>
+                      <a:endParaRPr lang="en-US" sz="1400" kern="100" dirty="0">
+                        <a:effectLst/>
+                        <a:latin typeface="Times New Roman" panose="02020603050405020304" pitchFamily="18" charset="0"/>
+                        <a:ea typeface="DengXian" panose="02010600030101010101" pitchFamily="2" charset="-122"/>
+                        <a:cs typeface="Times New Roman" panose="02020603050405020304" pitchFamily="18" charset="0"/>
+                      </a:endParaRPr>
+                    </a:p>
+                  </a:txBody>
+                  <a:tcPr marL="63534" marR="63534" marT="0" marB="0"/>
+                </a:tc>
+                <a:tc>
+                  <a:txBody>
+                    <a:bodyPr/>
+                    <a:lstStyle/>
+                    <a:p>
+                      <a:pPr marL="0" marR="0" algn="ctr">
+                        <a:spcBef>
+                          <a:spcPts val="0"/>
+                        </a:spcBef>
+                        <a:spcAft>
+                          <a:spcPts val="0"/>
+                        </a:spcAft>
+                      </a:pPr>
+                      <a:r>
+                        <a:rPr lang="en-US" sz="1400" kern="100">
+                          <a:effectLst/>
+                        </a:rPr>
+                        <a:t>File</a:t>
+                      </a:r>
+                      <a:endParaRPr lang="en-US" sz="1400" kern="100">
+                        <a:effectLst/>
+                        <a:latin typeface="Times New Roman" panose="02020603050405020304" pitchFamily="18" charset="0"/>
+                        <a:ea typeface="DengXian" panose="02010600030101010101" pitchFamily="2" charset="-122"/>
+                        <a:cs typeface="Times New Roman" panose="02020603050405020304" pitchFamily="18" charset="0"/>
+                      </a:endParaRPr>
+                    </a:p>
+                  </a:txBody>
+                  <a:tcPr marL="63534" marR="63534" marT="0" marB="0"/>
+                </a:tc>
+                <a:tc>
+                  <a:txBody>
+                    <a:bodyPr/>
+                    <a:lstStyle/>
+                    <a:p>
+                      <a:pPr marL="0" marR="0">
+                        <a:spcBef>
+                          <a:spcPts val="0"/>
+                        </a:spcBef>
+                        <a:spcAft>
+                          <a:spcPts val="0"/>
+                        </a:spcAft>
+                      </a:pPr>
+                      <a:r>
+                        <a:rPr lang="en-US" sz="1400" kern="100">
+                          <a:effectLst/>
+                        </a:rPr>
+                        <a:t>Environment information</a:t>
+                      </a:r>
+                      <a:endParaRPr lang="en-US" sz="1400" kern="100">
+                        <a:effectLst/>
+                        <a:latin typeface="Times New Roman" panose="02020603050405020304" pitchFamily="18" charset="0"/>
+                        <a:ea typeface="DengXian" panose="02010600030101010101" pitchFamily="2" charset="-122"/>
+                        <a:cs typeface="Times New Roman" panose="02020603050405020304" pitchFamily="18" charset="0"/>
+                      </a:endParaRPr>
+                    </a:p>
+                  </a:txBody>
+                  <a:tcPr marL="63534" marR="63534" marT="0" marB="0"/>
+                </a:tc>
+                <a:extLst>
+                  <a:ext uri="{0D108BD9-81ED-4DB2-BD59-A6C34878D82A}">
+                    <a16:rowId xmlns:a16="http://schemas.microsoft.com/office/drawing/2014/main" val="1614975752"/>
+                  </a:ext>
+                </a:extLst>
+              </a:tr>
+              <a:tr h="642546">
+                <a:tc>
+                  <a:txBody>
+                    <a:bodyPr/>
+                    <a:lstStyle/>
+                    <a:p>
+                      <a:pPr marL="0" marR="0" algn="ctr">
+                        <a:spcBef>
+                          <a:spcPts val="0"/>
+                        </a:spcBef>
+                        <a:spcAft>
+                          <a:spcPts val="0"/>
+                        </a:spcAft>
+                      </a:pPr>
+                      <a:r>
+                        <a:rPr lang="en-US" sz="1400" kern="100">
+                          <a:effectLst/>
+                        </a:rPr>
+                        <a:t>3</a:t>
+                      </a:r>
+                      <a:endParaRPr lang="en-US" sz="1400" kern="100">
+                        <a:effectLst/>
+                        <a:latin typeface="Times New Roman" panose="02020603050405020304" pitchFamily="18" charset="0"/>
+                        <a:ea typeface="DengXian" panose="02010600030101010101" pitchFamily="2" charset="-122"/>
+                        <a:cs typeface="Times New Roman" panose="02020603050405020304" pitchFamily="18" charset="0"/>
+                      </a:endParaRPr>
+                    </a:p>
+                  </a:txBody>
+                  <a:tcPr marL="63534" marR="63534" marT="0" marB="0"/>
+                </a:tc>
+                <a:tc>
+                  <a:txBody>
+                    <a:bodyPr/>
+                    <a:lstStyle/>
+                    <a:p>
+                      <a:pPr marL="0" marR="0">
+                        <a:spcBef>
+                          <a:spcPts val="0"/>
+                        </a:spcBef>
+                        <a:spcAft>
+                          <a:spcPts val="0"/>
+                        </a:spcAft>
+                      </a:pPr>
+                      <a:r>
+                        <a:rPr lang="en-US" sz="1400" kern="100" dirty="0">
+                          <a:effectLst/>
+                        </a:rPr>
+                        <a:t>Environment has one region, the number of agents in that region is more than [n/4]</a:t>
+                      </a:r>
+                      <a:endParaRPr lang="en-US" sz="1400" kern="100" dirty="0">
+                        <a:effectLst/>
+                        <a:latin typeface="Times New Roman" panose="02020603050405020304" pitchFamily="18" charset="0"/>
+                        <a:ea typeface="DengXian" panose="02010600030101010101" pitchFamily="2" charset="-122"/>
+                        <a:cs typeface="Times New Roman" panose="02020603050405020304" pitchFamily="18" charset="0"/>
+                      </a:endParaRPr>
+                    </a:p>
+                  </a:txBody>
+                  <a:tcPr marL="63534" marR="63534" marT="0" marB="0"/>
+                </a:tc>
+                <a:tc>
+                  <a:txBody>
+                    <a:bodyPr/>
+                    <a:lstStyle/>
+                    <a:p>
+                      <a:pPr marL="0" marR="0" algn="ctr">
+                        <a:spcBef>
+                          <a:spcPts val="0"/>
+                        </a:spcBef>
+                        <a:spcAft>
+                          <a:spcPts val="0"/>
+                        </a:spcAft>
+                      </a:pPr>
+                      <a:r>
+                        <a:rPr lang="en-US" sz="1400" kern="100">
+                          <a:effectLst/>
+                        </a:rPr>
+                        <a:t>File</a:t>
+                      </a:r>
+                      <a:endParaRPr lang="en-US" sz="1400" kern="100">
+                        <a:effectLst/>
+                        <a:latin typeface="Times New Roman" panose="02020603050405020304" pitchFamily="18" charset="0"/>
+                        <a:ea typeface="DengXian" panose="02010600030101010101" pitchFamily="2" charset="-122"/>
+                        <a:cs typeface="Times New Roman" panose="02020603050405020304" pitchFamily="18" charset="0"/>
+                      </a:endParaRPr>
+                    </a:p>
+                  </a:txBody>
+                  <a:tcPr marL="63534" marR="63534" marT="0" marB="0"/>
+                </a:tc>
+                <a:tc>
+                  <a:txBody>
+                    <a:bodyPr/>
+                    <a:lstStyle/>
+                    <a:p>
+                      <a:pPr marL="0" marR="0">
+                        <a:spcBef>
+                          <a:spcPts val="0"/>
+                        </a:spcBef>
+                        <a:spcAft>
+                          <a:spcPts val="0"/>
+                        </a:spcAft>
+                      </a:pPr>
+                      <a:r>
+                        <a:rPr lang="en-US" sz="1400" kern="100">
+                          <a:effectLst/>
+                        </a:rPr>
+                        <a:t>Error message that show the number of each region is [1-n/4]</a:t>
+                      </a:r>
+                      <a:endParaRPr lang="en-US" sz="1400" kern="100">
+                        <a:effectLst/>
+                        <a:latin typeface="Times New Roman" panose="02020603050405020304" pitchFamily="18" charset="0"/>
+                        <a:ea typeface="DengXian" panose="02010600030101010101" pitchFamily="2" charset="-122"/>
+                        <a:cs typeface="Times New Roman" panose="02020603050405020304" pitchFamily="18" charset="0"/>
+                      </a:endParaRPr>
+                    </a:p>
+                  </a:txBody>
+                  <a:tcPr marL="63534" marR="63534" marT="0" marB="0"/>
+                </a:tc>
+                <a:extLst>
+                  <a:ext uri="{0D108BD9-81ED-4DB2-BD59-A6C34878D82A}">
+                    <a16:rowId xmlns:a16="http://schemas.microsoft.com/office/drawing/2014/main" val="2720499359"/>
+                  </a:ext>
+                </a:extLst>
+              </a:tr>
+              <a:tr h="428364">
+                <a:tc>
+                  <a:txBody>
+                    <a:bodyPr/>
+                    <a:lstStyle/>
+                    <a:p>
+                      <a:pPr marL="0" marR="0" algn="ctr">
+                        <a:spcBef>
+                          <a:spcPts val="0"/>
+                        </a:spcBef>
+                        <a:spcAft>
+                          <a:spcPts val="0"/>
+                        </a:spcAft>
+                      </a:pPr>
+                      <a:r>
+                        <a:rPr lang="en-US" sz="1400" kern="100">
+                          <a:effectLst/>
+                        </a:rPr>
+                        <a:t>4</a:t>
+                      </a:r>
+                      <a:endParaRPr lang="en-US" sz="1400" kern="100">
+                        <a:effectLst/>
+                        <a:latin typeface="Times New Roman" panose="02020603050405020304" pitchFamily="18" charset="0"/>
+                        <a:ea typeface="DengXian" panose="02010600030101010101" pitchFamily="2" charset="-122"/>
+                        <a:cs typeface="Times New Roman" panose="02020603050405020304" pitchFamily="18" charset="0"/>
+                      </a:endParaRPr>
+                    </a:p>
+                  </a:txBody>
+                  <a:tcPr marL="63534" marR="63534" marT="0" marB="0"/>
+                </a:tc>
+                <a:tc>
+                  <a:txBody>
+                    <a:bodyPr/>
+                    <a:lstStyle/>
+                    <a:p>
+                      <a:pPr marL="0" marR="0">
+                        <a:spcBef>
+                          <a:spcPts val="0"/>
+                        </a:spcBef>
+                        <a:spcAft>
+                          <a:spcPts val="0"/>
+                        </a:spcAft>
+                      </a:pPr>
+                      <a:r>
+                        <a:rPr lang="en-US" sz="1400" kern="100" dirty="0">
+                          <a:effectLst/>
+                        </a:rPr>
+                        <a:t> Environment has multiple regions; each region has one agent</a:t>
+                      </a:r>
+                      <a:endParaRPr lang="en-US" sz="1400" kern="100" dirty="0">
+                        <a:effectLst/>
+                        <a:latin typeface="Times New Roman" panose="02020603050405020304" pitchFamily="18" charset="0"/>
+                        <a:ea typeface="DengXian" panose="02010600030101010101" pitchFamily="2" charset="-122"/>
+                        <a:cs typeface="Times New Roman" panose="02020603050405020304" pitchFamily="18" charset="0"/>
+                      </a:endParaRPr>
+                    </a:p>
+                  </a:txBody>
+                  <a:tcPr marL="63534" marR="63534" marT="0" marB="0"/>
+                </a:tc>
+                <a:tc>
+                  <a:txBody>
+                    <a:bodyPr/>
+                    <a:lstStyle/>
+                    <a:p>
+                      <a:pPr marL="0" marR="0" algn="ctr">
+                        <a:spcBef>
+                          <a:spcPts val="0"/>
+                        </a:spcBef>
+                        <a:spcAft>
+                          <a:spcPts val="0"/>
+                        </a:spcAft>
+                      </a:pPr>
+                      <a:r>
+                        <a:rPr lang="en-US" sz="1400" kern="100">
+                          <a:effectLst/>
+                        </a:rPr>
+                        <a:t>File</a:t>
+                      </a:r>
+                      <a:endParaRPr lang="en-US" sz="1400" kern="100">
+                        <a:effectLst/>
+                        <a:latin typeface="Times New Roman" panose="02020603050405020304" pitchFamily="18" charset="0"/>
+                        <a:ea typeface="DengXian" panose="02010600030101010101" pitchFamily="2" charset="-122"/>
+                        <a:cs typeface="Times New Roman" panose="02020603050405020304" pitchFamily="18" charset="0"/>
+                      </a:endParaRPr>
+                    </a:p>
+                  </a:txBody>
+                  <a:tcPr marL="63534" marR="63534" marT="0" marB="0"/>
+                </a:tc>
+                <a:tc>
+                  <a:txBody>
+                    <a:bodyPr/>
+                    <a:lstStyle/>
+                    <a:p>
+                      <a:pPr marL="0" marR="0">
+                        <a:spcBef>
+                          <a:spcPts val="0"/>
+                        </a:spcBef>
+                        <a:spcAft>
+                          <a:spcPts val="0"/>
+                        </a:spcAft>
+                      </a:pPr>
+                      <a:r>
+                        <a:rPr lang="en-US" sz="1400" kern="100">
+                          <a:effectLst/>
+                        </a:rPr>
+                        <a:t>Environment information</a:t>
+                      </a:r>
+                      <a:endParaRPr lang="en-US" sz="1400" kern="100">
+                        <a:effectLst/>
+                        <a:latin typeface="Times New Roman" panose="02020603050405020304" pitchFamily="18" charset="0"/>
+                        <a:ea typeface="DengXian" panose="02010600030101010101" pitchFamily="2" charset="-122"/>
+                        <a:cs typeface="Times New Roman" panose="02020603050405020304" pitchFamily="18" charset="0"/>
+                      </a:endParaRPr>
+                    </a:p>
+                  </a:txBody>
+                  <a:tcPr marL="63534" marR="63534" marT="0" marB="0"/>
+                </a:tc>
+                <a:extLst>
+                  <a:ext uri="{0D108BD9-81ED-4DB2-BD59-A6C34878D82A}">
+                    <a16:rowId xmlns:a16="http://schemas.microsoft.com/office/drawing/2014/main" val="248063124"/>
+                  </a:ext>
+                </a:extLst>
+              </a:tr>
+              <a:tr h="428364">
+                <a:tc>
+                  <a:txBody>
+                    <a:bodyPr/>
+                    <a:lstStyle/>
+                    <a:p>
+                      <a:pPr marL="0" marR="0" algn="ctr">
+                        <a:spcBef>
+                          <a:spcPts val="0"/>
+                        </a:spcBef>
+                        <a:spcAft>
+                          <a:spcPts val="0"/>
+                        </a:spcAft>
+                      </a:pPr>
+                      <a:r>
+                        <a:rPr lang="en-US" sz="1400" kern="100">
+                          <a:effectLst/>
+                        </a:rPr>
+                        <a:t>5</a:t>
+                      </a:r>
+                      <a:endParaRPr lang="en-US" sz="1400" kern="100">
+                        <a:effectLst/>
+                        <a:latin typeface="Times New Roman" panose="02020603050405020304" pitchFamily="18" charset="0"/>
+                        <a:ea typeface="DengXian" panose="02010600030101010101" pitchFamily="2" charset="-122"/>
+                        <a:cs typeface="Times New Roman" panose="02020603050405020304" pitchFamily="18" charset="0"/>
+                      </a:endParaRPr>
+                    </a:p>
+                  </a:txBody>
+                  <a:tcPr marL="63534" marR="63534" marT="0" marB="0"/>
+                </a:tc>
+                <a:tc>
+                  <a:txBody>
+                    <a:bodyPr/>
+                    <a:lstStyle/>
+                    <a:p>
+                      <a:pPr marL="0" marR="0">
+                        <a:spcBef>
+                          <a:spcPts val="0"/>
+                        </a:spcBef>
+                        <a:spcAft>
+                          <a:spcPts val="0"/>
+                        </a:spcAft>
+                      </a:pPr>
+                      <a:r>
+                        <a:rPr lang="en-US" sz="1400" kern="100" dirty="0">
+                          <a:effectLst/>
+                        </a:rPr>
+                        <a:t> Environment has multiple regions, the number of agents in each region is [1-n/4]</a:t>
+                      </a:r>
+                      <a:endParaRPr lang="en-US" sz="1400" kern="100" dirty="0">
+                        <a:effectLst/>
+                        <a:latin typeface="Times New Roman" panose="02020603050405020304" pitchFamily="18" charset="0"/>
+                        <a:ea typeface="DengXian" panose="02010600030101010101" pitchFamily="2" charset="-122"/>
+                        <a:cs typeface="Times New Roman" panose="02020603050405020304" pitchFamily="18" charset="0"/>
+                      </a:endParaRPr>
+                    </a:p>
+                  </a:txBody>
+                  <a:tcPr marL="63534" marR="63534" marT="0" marB="0"/>
+                </a:tc>
+                <a:tc>
+                  <a:txBody>
+                    <a:bodyPr/>
+                    <a:lstStyle/>
+                    <a:p>
+                      <a:pPr marL="0" marR="0" algn="ctr">
+                        <a:spcBef>
+                          <a:spcPts val="0"/>
+                        </a:spcBef>
+                        <a:spcAft>
+                          <a:spcPts val="0"/>
+                        </a:spcAft>
+                      </a:pPr>
+                      <a:r>
+                        <a:rPr lang="en-US" sz="1400" kern="100" dirty="0">
+                          <a:effectLst/>
+                        </a:rPr>
+                        <a:t>File</a:t>
+                      </a:r>
+                      <a:endParaRPr lang="en-US" sz="1400" kern="100" dirty="0">
+                        <a:effectLst/>
+                        <a:latin typeface="Times New Roman" panose="02020603050405020304" pitchFamily="18" charset="0"/>
+                        <a:ea typeface="DengXian" panose="02010600030101010101" pitchFamily="2" charset="-122"/>
+                        <a:cs typeface="Times New Roman" panose="02020603050405020304" pitchFamily="18" charset="0"/>
+                      </a:endParaRPr>
+                    </a:p>
+                  </a:txBody>
+                  <a:tcPr marL="63534" marR="63534" marT="0" marB="0"/>
+                </a:tc>
+                <a:tc>
+                  <a:txBody>
+                    <a:bodyPr/>
+                    <a:lstStyle/>
+                    <a:p>
+                      <a:pPr marL="0" marR="0">
+                        <a:spcBef>
+                          <a:spcPts val="0"/>
+                        </a:spcBef>
+                        <a:spcAft>
+                          <a:spcPts val="0"/>
+                        </a:spcAft>
+                      </a:pPr>
+                      <a:r>
+                        <a:rPr lang="en-US" sz="1400" kern="100">
+                          <a:effectLst/>
+                        </a:rPr>
+                        <a:t>Environment information</a:t>
+                      </a:r>
+                      <a:endParaRPr lang="en-US" sz="1400" kern="100">
+                        <a:effectLst/>
+                        <a:latin typeface="Times New Roman" panose="02020603050405020304" pitchFamily="18" charset="0"/>
+                        <a:ea typeface="DengXian" panose="02010600030101010101" pitchFamily="2" charset="-122"/>
+                        <a:cs typeface="Times New Roman" panose="02020603050405020304" pitchFamily="18" charset="0"/>
+                      </a:endParaRPr>
+                    </a:p>
+                  </a:txBody>
+                  <a:tcPr marL="63534" marR="63534" marT="0" marB="0"/>
+                </a:tc>
+                <a:extLst>
+                  <a:ext uri="{0D108BD9-81ED-4DB2-BD59-A6C34878D82A}">
+                    <a16:rowId xmlns:a16="http://schemas.microsoft.com/office/drawing/2014/main" val="2470347730"/>
+                  </a:ext>
+                </a:extLst>
+              </a:tr>
+              <a:tr h="642546">
+                <a:tc>
+                  <a:txBody>
+                    <a:bodyPr/>
+                    <a:lstStyle/>
+                    <a:p>
+                      <a:pPr marL="0" marR="0" algn="ctr">
+                        <a:spcBef>
+                          <a:spcPts val="0"/>
+                        </a:spcBef>
+                        <a:spcAft>
+                          <a:spcPts val="0"/>
+                        </a:spcAft>
+                      </a:pPr>
+                      <a:r>
+                        <a:rPr lang="en-US" sz="1400" kern="100">
+                          <a:effectLst/>
+                        </a:rPr>
+                        <a:t>6</a:t>
+                      </a:r>
+                      <a:endParaRPr lang="en-US" sz="1400" kern="100">
+                        <a:effectLst/>
+                        <a:latin typeface="Times New Roman" panose="02020603050405020304" pitchFamily="18" charset="0"/>
+                        <a:ea typeface="DengXian" panose="02010600030101010101" pitchFamily="2" charset="-122"/>
+                        <a:cs typeface="Times New Roman" panose="02020603050405020304" pitchFamily="18" charset="0"/>
+                      </a:endParaRPr>
+                    </a:p>
+                  </a:txBody>
+                  <a:tcPr marL="63534" marR="63534" marT="0" marB="0"/>
+                </a:tc>
+                <a:tc>
+                  <a:txBody>
+                    <a:bodyPr/>
+                    <a:lstStyle/>
+                    <a:p>
+                      <a:pPr marL="0" marR="0">
+                        <a:spcBef>
+                          <a:spcPts val="0"/>
+                        </a:spcBef>
+                        <a:spcAft>
+                          <a:spcPts val="0"/>
+                        </a:spcAft>
+                      </a:pPr>
+                      <a:r>
+                        <a:rPr lang="en-US" sz="1400" kern="100">
+                          <a:effectLst/>
+                        </a:rPr>
+                        <a:t> Environment has multiple regions, the number of agents in each region more than [n/4]</a:t>
+                      </a:r>
+                      <a:endParaRPr lang="en-US" sz="1400" kern="100">
+                        <a:effectLst/>
+                        <a:latin typeface="Times New Roman" panose="02020603050405020304" pitchFamily="18" charset="0"/>
+                        <a:ea typeface="DengXian" panose="02010600030101010101" pitchFamily="2" charset="-122"/>
+                        <a:cs typeface="Times New Roman" panose="02020603050405020304" pitchFamily="18" charset="0"/>
+                      </a:endParaRPr>
+                    </a:p>
+                  </a:txBody>
+                  <a:tcPr marL="63534" marR="63534" marT="0" marB="0"/>
+                </a:tc>
+                <a:tc>
+                  <a:txBody>
+                    <a:bodyPr/>
+                    <a:lstStyle/>
+                    <a:p>
+                      <a:pPr marL="0" marR="0" algn="ctr">
+                        <a:spcBef>
+                          <a:spcPts val="0"/>
+                        </a:spcBef>
+                        <a:spcAft>
+                          <a:spcPts val="0"/>
+                        </a:spcAft>
+                      </a:pPr>
+                      <a:r>
+                        <a:rPr lang="en-US" sz="1400" kern="100" dirty="0">
+                          <a:effectLst/>
+                        </a:rPr>
+                        <a:t>File</a:t>
+                      </a:r>
+                      <a:endParaRPr lang="en-US" sz="1400" kern="100" dirty="0">
+                        <a:effectLst/>
+                        <a:latin typeface="Times New Roman" panose="02020603050405020304" pitchFamily="18" charset="0"/>
+                        <a:ea typeface="DengXian" panose="02010600030101010101" pitchFamily="2" charset="-122"/>
+                        <a:cs typeface="Times New Roman" panose="02020603050405020304" pitchFamily="18" charset="0"/>
+                      </a:endParaRPr>
+                    </a:p>
+                  </a:txBody>
+                  <a:tcPr marL="63534" marR="63534" marT="0" marB="0"/>
+                </a:tc>
+                <a:tc>
+                  <a:txBody>
+                    <a:bodyPr/>
+                    <a:lstStyle/>
+                    <a:p>
+                      <a:pPr marL="0" marR="0">
+                        <a:spcBef>
+                          <a:spcPts val="0"/>
+                        </a:spcBef>
+                        <a:spcAft>
+                          <a:spcPts val="0"/>
+                        </a:spcAft>
+                      </a:pPr>
+                      <a:r>
+                        <a:rPr lang="en-US" sz="1400" kern="100" dirty="0">
+                          <a:effectLst/>
+                        </a:rPr>
+                        <a:t>Error message that show the number of each region is [1-n/4]</a:t>
+                      </a:r>
+                      <a:endParaRPr lang="en-US" sz="1400" kern="100" dirty="0">
+                        <a:effectLst/>
+                        <a:latin typeface="Times New Roman" panose="02020603050405020304" pitchFamily="18" charset="0"/>
+                        <a:ea typeface="DengXian" panose="02010600030101010101" pitchFamily="2" charset="-122"/>
+                        <a:cs typeface="Times New Roman" panose="02020603050405020304" pitchFamily="18" charset="0"/>
+                      </a:endParaRPr>
+                    </a:p>
+                  </a:txBody>
+                  <a:tcPr marL="63534" marR="63534" marT="0" marB="0"/>
+                </a:tc>
+                <a:extLst>
+                  <a:ext uri="{0D108BD9-81ED-4DB2-BD59-A6C34878D82A}">
+                    <a16:rowId xmlns:a16="http://schemas.microsoft.com/office/drawing/2014/main" val="1815571649"/>
+                  </a:ext>
+                </a:extLst>
+              </a:tr>
+              <a:tr h="428364">
+                <a:tc>
+                  <a:txBody>
+                    <a:bodyPr/>
+                    <a:lstStyle/>
+                    <a:p>
+                      <a:pPr marL="0" marR="0" algn="ctr">
+                        <a:spcBef>
+                          <a:spcPts val="0"/>
+                        </a:spcBef>
+                        <a:spcAft>
+                          <a:spcPts val="0"/>
+                        </a:spcAft>
+                      </a:pPr>
+                      <a:r>
+                        <a:rPr lang="en-US" sz="1400" kern="100">
+                          <a:effectLst/>
+                        </a:rPr>
+                        <a:t>7</a:t>
+                      </a:r>
+                      <a:endParaRPr lang="en-US" sz="1400" kern="100">
+                        <a:effectLst/>
+                        <a:latin typeface="Times New Roman" panose="02020603050405020304" pitchFamily="18" charset="0"/>
+                        <a:ea typeface="DengXian" panose="02010600030101010101" pitchFamily="2" charset="-122"/>
+                        <a:cs typeface="Times New Roman" panose="02020603050405020304" pitchFamily="18" charset="0"/>
+                      </a:endParaRPr>
+                    </a:p>
+                  </a:txBody>
+                  <a:tcPr marL="63534" marR="63534" marT="0" marB="0"/>
+                </a:tc>
+                <a:tc>
+                  <a:txBody>
+                    <a:bodyPr/>
+                    <a:lstStyle/>
+                    <a:p>
+                      <a:pPr marL="0" marR="0">
+                        <a:spcBef>
+                          <a:spcPts val="0"/>
+                        </a:spcBef>
+                        <a:spcAft>
+                          <a:spcPts val="0"/>
+                        </a:spcAft>
+                      </a:pPr>
+                      <a:r>
+                        <a:rPr lang="en-US" sz="1400" kern="100">
+                          <a:effectLst/>
+                        </a:rPr>
+                        <a:t>Input file contains agents that don’t placed at the end nodes of the region.</a:t>
+                      </a:r>
+                      <a:endParaRPr lang="en-US" sz="1400" kern="100">
+                        <a:effectLst/>
+                        <a:latin typeface="Times New Roman" panose="02020603050405020304" pitchFamily="18" charset="0"/>
+                        <a:ea typeface="DengXian" panose="02010600030101010101" pitchFamily="2" charset="-122"/>
+                        <a:cs typeface="Times New Roman" panose="02020603050405020304" pitchFamily="18" charset="0"/>
+                      </a:endParaRPr>
+                    </a:p>
+                  </a:txBody>
+                  <a:tcPr marL="63534" marR="63534" marT="0" marB="0"/>
+                </a:tc>
+                <a:tc>
+                  <a:txBody>
+                    <a:bodyPr/>
+                    <a:lstStyle/>
+                    <a:p>
+                      <a:pPr marL="0" marR="0" algn="ctr">
+                        <a:spcBef>
+                          <a:spcPts val="0"/>
+                        </a:spcBef>
+                        <a:spcAft>
+                          <a:spcPts val="0"/>
+                        </a:spcAft>
+                      </a:pPr>
+                      <a:r>
+                        <a:rPr lang="en-US" sz="1400" kern="100">
+                          <a:effectLst/>
+                        </a:rPr>
+                        <a:t>File</a:t>
+                      </a:r>
+                      <a:endParaRPr lang="en-US" sz="1400" kern="100">
+                        <a:effectLst/>
+                        <a:latin typeface="Times New Roman" panose="02020603050405020304" pitchFamily="18" charset="0"/>
+                        <a:ea typeface="DengXian" panose="02010600030101010101" pitchFamily="2" charset="-122"/>
+                        <a:cs typeface="Times New Roman" panose="02020603050405020304" pitchFamily="18" charset="0"/>
+                      </a:endParaRPr>
+                    </a:p>
+                  </a:txBody>
+                  <a:tcPr marL="63534" marR="63534" marT="0" marB="0"/>
+                </a:tc>
+                <a:tc>
+                  <a:txBody>
+                    <a:bodyPr/>
+                    <a:lstStyle/>
+                    <a:p>
+                      <a:pPr marL="0" marR="0">
+                        <a:spcBef>
+                          <a:spcPts val="0"/>
+                        </a:spcBef>
+                        <a:spcAft>
+                          <a:spcPts val="0"/>
+                        </a:spcAft>
+                      </a:pPr>
+                      <a:r>
+                        <a:rPr lang="en-US" sz="1400" kern="100" dirty="0">
+                          <a:effectLst/>
+                        </a:rPr>
+                        <a:t>Error message : agents initial position error</a:t>
+                      </a:r>
+                      <a:endParaRPr lang="en-US" sz="1400" kern="100" dirty="0">
+                        <a:effectLst/>
+                        <a:latin typeface="Times New Roman" panose="02020603050405020304" pitchFamily="18" charset="0"/>
+                        <a:ea typeface="DengXian" panose="02010600030101010101" pitchFamily="2" charset="-122"/>
+                        <a:cs typeface="Times New Roman" panose="02020603050405020304" pitchFamily="18" charset="0"/>
+                      </a:endParaRPr>
+                    </a:p>
+                  </a:txBody>
+                  <a:tcPr marL="63534" marR="63534" marT="0" marB="0"/>
+                </a:tc>
+                <a:extLst>
+                  <a:ext uri="{0D108BD9-81ED-4DB2-BD59-A6C34878D82A}">
+                    <a16:rowId xmlns:a16="http://schemas.microsoft.com/office/drawing/2014/main" val="3875587349"/>
+                  </a:ext>
+                </a:extLst>
+              </a:tr>
+            </a:tbl>
+          </a:graphicData>
+        </a:graphic>
+      </p:graphicFrame>
     </p:spTree>
     <p:extLst>
       <p:ext uri="{BB962C8B-B14F-4D97-AF65-F5344CB8AC3E}">

--- a/Document/GIANTS_FifthPresentation.pptx
+++ b/Document/GIANTS_FifthPresentation.pptx
@@ -5263,7 +5263,7 @@
             <p:ph idx="1"/>
             <p:extLst>
               <p:ext uri="{D42A27DB-BD31-4B8C-83A1-F6EECF244321}">
-                <p14:modId xmlns:p14="http://schemas.microsoft.com/office/powerpoint/2010/main" val="151504217"/>
+                <p14:modId xmlns:p14="http://schemas.microsoft.com/office/powerpoint/2010/main" val="4148348309"/>
               </p:ext>
             </p:extLst>
           </p:nvPr>
@@ -5468,7 +5468,7 @@
                         </a:spcAft>
                       </a:pPr>
                       <a:r>
-                        <a:rPr lang="en-US" sz="1200">
+                        <a:rPr lang="en-US" sz="1200" dirty="0">
                           <a:solidFill>
                             <a:schemeClr val="tx1"/>
                           </a:solidFill>
@@ -5476,7 +5476,7 @@
                         </a:rPr>
                         <a:t>Date introduced</a:t>
                       </a:r>
-                      <a:endParaRPr lang="en-US" sz="1200">
+                      <a:endParaRPr lang="en-US" sz="1200" dirty="0">
                         <a:solidFill>
                           <a:schemeClr val="tx1"/>
                         </a:solidFill>
@@ -6077,18 +6077,6 @@
                         </a:spcAft>
                       </a:pPr>
                       <a:r>
-                        <a:rPr lang="en-US" sz="1200">
-                          <a:solidFill>
-                            <a:schemeClr val="tx1"/>
-                          </a:solidFill>
-                          <a:effectLst/>
-                          <a:latin typeface="Calibri" panose="020F0502020204030204" pitchFamily="34" charset="0"/>
-                          <a:ea typeface="DengXian" panose="02010600030101010101" pitchFamily="2" charset="-122"/>
-                          <a:cs typeface="Times New Roman" panose="02020603050405020304" pitchFamily="18" charset="0"/>
-                        </a:rPr>
-                        <a:t>Display results </a:t>
-                      </a:r>
-                      <a:r>
                         <a:rPr lang="en-US" sz="1200" dirty="0">
                           <a:solidFill>
                             <a:schemeClr val="tx1"/>
@@ -6098,7 +6086,7 @@
                           <a:ea typeface="DengXian" panose="02010600030101010101" pitchFamily="2" charset="-122"/>
                           <a:cs typeface="Times New Roman" panose="02020603050405020304" pitchFamily="18" charset="0"/>
                         </a:rPr>
-                        <a:t>based on the search condition</a:t>
+                        <a:t>Display results based on the search condition</a:t>
                       </a:r>
                     </a:p>
                   </a:txBody>
@@ -6908,6 +6896,37 @@
                     <a:bodyPr/>
                     <a:lstStyle/>
                     <a:p>
+                      <a:pPr marL="0" marR="0" lvl="0" indent="0" algn="l" defTabSz="914400" rtl="0" eaLnBrk="1" fontAlgn="auto" latinLnBrk="0" hangingPunct="1">
+                        <a:lnSpc>
+                          <a:spcPct val="107000"/>
+                        </a:lnSpc>
+                        <a:spcBef>
+                          <a:spcPts val="0"/>
+                        </a:spcBef>
+                        <a:spcAft>
+                          <a:spcPts val="0"/>
+                        </a:spcAft>
+                        <a:buClrTx/>
+                        <a:buSzTx/>
+                        <a:buFontTx/>
+                        <a:buNone/>
+                        <a:tabLst/>
+                        <a:defRPr/>
+                      </a:pPr>
+                      <a:r>
+                        <a:rPr lang="en-US" sz="1200" dirty="0">
+                          <a:solidFill>
+                            <a:schemeClr val="tx1"/>
+                          </a:solidFill>
+                          <a:effectLst/>
+                          <a:latin typeface="Calibri" panose="020F0502020204030204" pitchFamily="34" charset="0"/>
+                          <a:ea typeface="DengXian" panose="02010600030101010101" pitchFamily="2" charset="-122"/>
+                          <a:cs typeface="Calibri" panose="020F0502020204030204" pitchFamily="34" charset="0"/>
+                        </a:rPr>
+                        <a:t>Ying Jiang</a:t>
+                      </a:r>
+                    </a:p>
+                    <a:p>
                       <a:pPr marL="0" marR="0">
                         <a:lnSpc>
                           <a:spcPct val="107000"/>
@@ -6919,30 +6938,15 @@
                           <a:spcPts val="0"/>
                         </a:spcAft>
                       </a:pPr>
-                      <a:r>
-                        <a:rPr lang="en-US" sz="1200" dirty="0" err="1">
-                          <a:solidFill>
-                            <a:schemeClr val="tx1"/>
-                          </a:solidFill>
-                          <a:effectLst/>
-                          <a:latin typeface="Calibri" panose="020F0502020204030204" pitchFamily="34" charset="0"/>
-                          <a:ea typeface="DengXian" panose="02010600030101010101" pitchFamily="2" charset="-122"/>
-                          <a:cs typeface="Times New Roman" panose="02020603050405020304" pitchFamily="18" charset="0"/>
-                        </a:rPr>
-                        <a:t>Weikang</a:t>
-                      </a:r>
-                      <a:r>
-                        <a:rPr lang="en-US" sz="1200" dirty="0">
-                          <a:solidFill>
-                            <a:schemeClr val="tx1"/>
-                          </a:solidFill>
-                          <a:effectLst/>
-                          <a:latin typeface="Calibri" panose="020F0502020204030204" pitchFamily="34" charset="0"/>
-                          <a:ea typeface="DengXian" panose="02010600030101010101" pitchFamily="2" charset="-122"/>
-                          <a:cs typeface="Times New Roman" panose="02020603050405020304" pitchFamily="18" charset="0"/>
-                        </a:rPr>
-                        <a:t> Wang</a:t>
-                      </a:r>
+                      <a:endParaRPr lang="en-US" sz="1200" dirty="0">
+                        <a:solidFill>
+                          <a:schemeClr val="tx1"/>
+                        </a:solidFill>
+                        <a:effectLst/>
+                        <a:latin typeface="Calibri" panose="020F0502020204030204" pitchFamily="34" charset="0"/>
+                        <a:ea typeface="DengXian" panose="02010600030101010101" pitchFamily="2" charset="-122"/>
+                        <a:cs typeface="Times New Roman" panose="02020603050405020304" pitchFamily="18" charset="0"/>
+                      </a:endParaRPr>
                     </a:p>
                   </a:txBody>
                   <a:tcPr marL="68580" marR="68580" marT="0" marB="0"/>
@@ -7228,6 +7232,49 @@
                     <a:bodyPr/>
                     <a:lstStyle/>
                     <a:p>
+                      <a:pPr marL="0" marR="0" lvl="0" indent="0" algn="l" defTabSz="914400" rtl="0" eaLnBrk="1" fontAlgn="auto" latinLnBrk="0" hangingPunct="1">
+                        <a:lnSpc>
+                          <a:spcPct val="107000"/>
+                        </a:lnSpc>
+                        <a:spcBef>
+                          <a:spcPts val="0"/>
+                        </a:spcBef>
+                        <a:spcAft>
+                          <a:spcPts val="0"/>
+                        </a:spcAft>
+                        <a:buClrTx/>
+                        <a:buSzTx/>
+                        <a:buFontTx/>
+                        <a:buNone/>
+                        <a:tabLst/>
+                        <a:defRPr/>
+                      </a:pPr>
+                      <a:r>
+                        <a:rPr lang="en-US" sz="1200" dirty="0" err="1">
+                          <a:solidFill>
+                            <a:schemeClr val="tx1"/>
+                          </a:solidFill>
+                          <a:effectLst/>
+                          <a:latin typeface="Calibri" panose="020F0502020204030204" pitchFamily="34" charset="0"/>
+                          <a:ea typeface="DengXian" panose="02010600030101010101" pitchFamily="2" charset="-122"/>
+                          <a:cs typeface="Times New Roman" panose="02020603050405020304" pitchFamily="18" charset="0"/>
+                        </a:rPr>
+                        <a:t>Weikang</a:t>
+                      </a:r>
+                      <a:r>
+                        <a:rPr lang="en-US" sz="1200" dirty="0">
+                          <a:solidFill>
+                            <a:schemeClr val="tx1"/>
+                          </a:solidFill>
+                          <a:effectLst/>
+                          <a:latin typeface="Calibri" panose="020F0502020204030204" pitchFamily="34" charset="0"/>
+                          <a:ea typeface="DengXian" panose="02010600030101010101" pitchFamily="2" charset="-122"/>
+                          <a:cs typeface="Times New Roman" panose="02020603050405020304" pitchFamily="18" charset="0"/>
+                        </a:rPr>
+                        <a:t> Wang</a:t>
+                      </a:r>
+                    </a:p>
+                    <a:p>
                       <a:pPr marL="0" marR="0">
                         <a:lnSpc>
                           <a:spcPct val="107000"/>
@@ -7239,18 +7286,6 @@
                           <a:spcPts val="0"/>
                         </a:spcAft>
                       </a:pPr>
-                      <a:r>
-                        <a:rPr lang="en-US" sz="1200" dirty="0">
-                          <a:solidFill>
-                            <a:schemeClr val="tx1"/>
-                          </a:solidFill>
-                          <a:effectLst/>
-                          <a:latin typeface="Calibri" panose="020F0502020204030204" pitchFamily="34" charset="0"/>
-                          <a:ea typeface="DengXian" panose="02010600030101010101" pitchFamily="2" charset="-122"/>
-                          <a:cs typeface="Calibri" panose="020F0502020204030204" pitchFamily="34" charset="0"/>
-                        </a:rPr>
-                        <a:t>Ying Jiang</a:t>
-                      </a:r>
                       <a:endParaRPr lang="en-US" sz="1200" dirty="0">
                         <a:solidFill>
                           <a:schemeClr val="tx1"/>
@@ -7585,7 +7620,7 @@
                         </a:spcAft>
                       </a:pPr>
                       <a:r>
-                        <a:rPr lang="en-US" sz="1200" dirty="0" err="1">
+                        <a:rPr lang="en-US" sz="1200">
                           <a:solidFill>
                             <a:schemeClr val="tx1"/>
                           </a:solidFill>
@@ -7594,7 +7629,7 @@
                           <a:ea typeface="DengXian" panose="02010600030101010101" pitchFamily="2" charset="-122"/>
                           <a:cs typeface="Calibri" panose="020F0502020204030204" pitchFamily="34" charset="0"/>
                         </a:rPr>
-                        <a:t>Dezheng</a:t>
+                        <a:t>Deikang </a:t>
                       </a:r>
                       <a:r>
                         <a:rPr lang="en-US" sz="1200" dirty="0">
@@ -7606,7 +7641,7 @@
                           <a:ea typeface="DengXian" panose="02010600030101010101" pitchFamily="2" charset="-122"/>
                           <a:cs typeface="Calibri" panose="020F0502020204030204" pitchFamily="34" charset="0"/>
                         </a:rPr>
-                        <a:t> Wang</a:t>
+                        <a:t>Wang</a:t>
                       </a:r>
                       <a:endParaRPr lang="en-US" sz="1200" dirty="0">
                         <a:solidFill>
@@ -7765,7 +7800,7 @@
                           <a:ea typeface="DengXian" panose="02010600030101010101" pitchFamily="2" charset="-122"/>
                           <a:cs typeface="Times New Roman" panose="02020603050405020304" pitchFamily="18" charset="0"/>
                         </a:rPr>
-                        <a:t>Test file validation of Constrained-3 algorithm </a:t>
+                        <a:t>Test file validation of Constrained-4 algorithm </a:t>
                       </a:r>
                     </a:p>
                     <a:p>
@@ -10424,7 +10459,30 @@
                 <a:ea typeface="Times New Roman" panose="02020603050405020304" pitchFamily="18" charset="0"/>
                 <a:cs typeface="Times New Roman" panose="02020603050405020304" pitchFamily="18" charset="0"/>
               </a:rPr>
-              <a:t>Consider the sprint task #56 </a:t>
+              <a:t>Consider the sprint task #</a:t>
+            </a:r>
+            <a:r>
+              <a:rPr lang="en-US" altLang="en-US" sz="1600" dirty="0">
+                <a:latin typeface="Times New Roman" panose="02020603050405020304" pitchFamily="18" charset="0"/>
+                <a:ea typeface="Times New Roman" panose="02020603050405020304" pitchFamily="18" charset="0"/>
+                <a:cs typeface="Times New Roman" panose="02020603050405020304" pitchFamily="18" charset="0"/>
+              </a:rPr>
+              <a:t>48</a:t>
+            </a:r>
+            <a:r>
+              <a:rPr kumimoji="0" lang="en-US" altLang="en-US" sz="1600" b="0" i="0" u="none" strike="noStrike" cap="none" normalizeH="0" baseline="0" dirty="0">
+                <a:ln>
+                  <a:noFill/>
+                </a:ln>
+                <a:solidFill>
+                  <a:schemeClr val="tx1"/>
+                </a:solidFill>
+                <a:effectLst/>
+                <a:latin typeface="Times New Roman" panose="02020603050405020304" pitchFamily="18" charset="0"/>
+                <a:ea typeface="Times New Roman" panose="02020603050405020304" pitchFamily="18" charset="0"/>
+                <a:cs typeface="Times New Roman" panose="02020603050405020304" pitchFamily="18" charset="0"/>
+              </a:rPr>
+              <a:t> </a:t>
             </a:r>
             <a:r>
               <a:rPr kumimoji="0" lang="en-US" altLang="en-US" sz="1600" b="1" i="0" u="none" strike="noStrike" cap="none" normalizeH="0" baseline="0" dirty="0">
@@ -10651,7 +10709,7 @@
                 <a:ea typeface="Times New Roman" panose="02020603050405020304" pitchFamily="18" charset="0"/>
                 <a:cs typeface="Times New Roman" panose="02020603050405020304" pitchFamily="18" charset="0"/>
               </a:rPr>
-              <a:t>Consider the sprint task #58 </a:t>
+              <a:t>Consider the sprint task #50 </a:t>
             </a:r>
             <a:r>
               <a:rPr kumimoji="0" lang="en-US" altLang="en-US" sz="1600" b="1" i="0" u="none" strike="noStrike" cap="none" normalizeH="0" baseline="0" dirty="0">
@@ -10774,14 +10832,14 @@
             <p:ph idx="1"/>
             <p:extLst>
               <p:ext uri="{D42A27DB-BD31-4B8C-83A1-F6EECF244321}">
-                <p14:modId xmlns:p14="http://schemas.microsoft.com/office/powerpoint/2010/main" val="3154564876"/>
+                <p14:modId xmlns:p14="http://schemas.microsoft.com/office/powerpoint/2010/main" val="4010948517"/>
               </p:ext>
             </p:extLst>
           </p:nvPr>
         </p:nvGraphicFramePr>
         <p:xfrm>
           <a:off x="1463415" y="2497018"/>
-          <a:ext cx="9513278" cy="4360982"/>
+          <a:ext cx="9513278" cy="4301027"/>
         </p:xfrm>
         <a:graphic>
           <a:graphicData uri="http://schemas.openxmlformats.org/drawingml/2006/table">
@@ -10819,7 +10877,7 @@
                   </a:extLst>
                 </a:gridCol>
               </a:tblGrid>
-              <a:tr h="719888">
+              <a:tr h="705374">
                 <a:tc>
                   <a:txBody>
                     <a:bodyPr/>
@@ -11006,7 +11064,7 @@
                   </a:ext>
                 </a:extLst>
               </a:tr>
-              <a:tr h="642546">
+              <a:tr h="629591">
                 <a:tc>
                   <a:txBody>
                     <a:bodyPr/>
@@ -11129,7 +11187,7 @@
                   </a:ext>
                 </a:extLst>
               </a:tr>
-              <a:tr h="428364">
+              <a:tr h="419728">
                 <a:tc>
                   <a:txBody>
                     <a:bodyPr/>
@@ -11252,7 +11310,7 @@
                   </a:ext>
                 </a:extLst>
               </a:tr>
-              <a:tr h="642546">
+              <a:tr h="629591">
                 <a:tc>
                   <a:txBody>
                     <a:bodyPr/>
@@ -11375,7 +11433,7 @@
                   </a:ext>
                 </a:extLst>
               </a:tr>
-              <a:tr h="428364">
+              <a:tr h="419728">
                 <a:tc>
                   <a:txBody>
                     <a:bodyPr/>
@@ -11498,7 +11556,7 @@
                   </a:ext>
                 </a:extLst>
               </a:tr>
-              <a:tr h="428364">
+              <a:tr h="419728">
                 <a:tc>
                   <a:txBody>
                     <a:bodyPr/>
@@ -11621,7 +11679,7 @@
                   </a:ext>
                 </a:extLst>
               </a:tr>
-              <a:tr h="642546">
+              <a:tr h="629591">
                 <a:tc>
                   <a:txBody>
                     <a:bodyPr/>
@@ -11744,7 +11802,7 @@
                   </a:ext>
                 </a:extLst>
               </a:tr>
-              <a:tr h="428364">
+              <a:tr h="419728">
                 <a:tc>
                   <a:txBody>
                     <a:bodyPr/>
@@ -11788,12 +11846,12 @@
                         </a:spcAft>
                       </a:pPr>
                       <a:r>
-                        <a:rPr lang="en-US" sz="1400" kern="100">
+                        <a:rPr lang="en-US" sz="1400" kern="100" dirty="0">
                           <a:effectLst/>
                         </a:rPr>
                         <a:t>Input file contains agents that don’t placed at the end nodes of the region.</a:t>
                       </a:r>
-                      <a:endParaRPr lang="en-US" sz="1400" kern="100">
+                      <a:endParaRPr lang="en-US" sz="1400" kern="100" dirty="0">
                         <a:effectLst/>
                         <a:latin typeface="Times New Roman" panose="02020603050405020304" pitchFamily="18" charset="0"/>
                         <a:ea typeface="DengXian" panose="02010600030101010101" pitchFamily="2" charset="-122"/>
